--- a/Documentation/ProfilesRNS_OntologyDiagram.pptx
+++ b/Documentation/ProfilesRNS_OntologyDiagram.pptx
@@ -104,6 +104,22 @@
       </a:defRPr>
     </a:lvl9pPr>
   </p:defaultTextStyle>
+  <p:extLst>
+    <p:ext uri="{EFAFB233-063F-42B5-8137-9DF3F51BA10A}">
+      <p15:sldGuideLst xmlns:p15="http://schemas.microsoft.com/office/powerpoint/2012/main">
+        <p15:guide id="1" orient="horz" pos="2160">
+          <p15:clr>
+            <a:srgbClr val="A4A3A4"/>
+          </p15:clr>
+        </p15:guide>
+        <p15:guide id="2" pos="2880">
+          <p15:clr>
+            <a:srgbClr val="A4A3A4"/>
+          </p15:clr>
+        </p15:guide>
+      </p15:sldGuideLst>
+    </p:ext>
+  </p:extLst>
 </p:presentation>
 </file>
 
@@ -289,7 +305,7 @@
             <a:fld id="{44E5DA55-CAF6-45D5-9B9E-5BBAC000588C}" type="datetimeFigureOut">
               <a:rPr lang="en-US" smtClean="0"/>
               <a:pPr/>
-              <a:t>8/7/2013</a:t>
+              <a:t>7/21/2014</a:t>
             </a:fld>
             <a:endParaRPr lang="en-US"/>
           </a:p>
@@ -461,7 +477,7 @@
             <a:fld id="{44E5DA55-CAF6-45D5-9B9E-5BBAC000588C}" type="datetimeFigureOut">
               <a:rPr lang="en-US" smtClean="0"/>
               <a:pPr/>
-              <a:t>8/7/2013</a:t>
+              <a:t>7/21/2014</a:t>
             </a:fld>
             <a:endParaRPr lang="en-US"/>
           </a:p>
@@ -643,7 +659,7 @@
             <a:fld id="{44E5DA55-CAF6-45D5-9B9E-5BBAC000588C}" type="datetimeFigureOut">
               <a:rPr lang="en-US" smtClean="0"/>
               <a:pPr/>
-              <a:t>8/7/2013</a:t>
+              <a:t>7/21/2014</a:t>
             </a:fld>
             <a:endParaRPr lang="en-US"/>
           </a:p>
@@ -815,7 +831,7 @@
             <a:fld id="{44E5DA55-CAF6-45D5-9B9E-5BBAC000588C}" type="datetimeFigureOut">
               <a:rPr lang="en-US" smtClean="0"/>
               <a:pPr/>
-              <a:t>8/7/2013</a:t>
+              <a:t>7/21/2014</a:t>
             </a:fld>
             <a:endParaRPr lang="en-US"/>
           </a:p>
@@ -1063,7 +1079,7 @@
             <a:fld id="{44E5DA55-CAF6-45D5-9B9E-5BBAC000588C}" type="datetimeFigureOut">
               <a:rPr lang="en-US" smtClean="0"/>
               <a:pPr/>
-              <a:t>8/7/2013</a:t>
+              <a:t>7/21/2014</a:t>
             </a:fld>
             <a:endParaRPr lang="en-US"/>
           </a:p>
@@ -1353,7 +1369,7 @@
             <a:fld id="{44E5DA55-CAF6-45D5-9B9E-5BBAC000588C}" type="datetimeFigureOut">
               <a:rPr lang="en-US" smtClean="0"/>
               <a:pPr/>
-              <a:t>8/7/2013</a:t>
+              <a:t>7/21/2014</a:t>
             </a:fld>
             <a:endParaRPr lang="en-US"/>
           </a:p>
@@ -1777,7 +1793,7 @@
             <a:fld id="{44E5DA55-CAF6-45D5-9B9E-5BBAC000588C}" type="datetimeFigureOut">
               <a:rPr lang="en-US" smtClean="0"/>
               <a:pPr/>
-              <a:t>8/7/2013</a:t>
+              <a:t>7/21/2014</a:t>
             </a:fld>
             <a:endParaRPr lang="en-US"/>
           </a:p>
@@ -1897,7 +1913,7 @@
             <a:fld id="{44E5DA55-CAF6-45D5-9B9E-5BBAC000588C}" type="datetimeFigureOut">
               <a:rPr lang="en-US" smtClean="0"/>
               <a:pPr/>
-              <a:t>8/7/2013</a:t>
+              <a:t>7/21/2014</a:t>
             </a:fld>
             <a:endParaRPr lang="en-US"/>
           </a:p>
@@ -1994,7 +2010,7 @@
             <a:fld id="{44E5DA55-CAF6-45D5-9B9E-5BBAC000588C}" type="datetimeFigureOut">
               <a:rPr lang="en-US" smtClean="0"/>
               <a:pPr/>
-              <a:t>8/7/2013</a:t>
+              <a:t>7/21/2014</a:t>
             </a:fld>
             <a:endParaRPr lang="en-US"/>
           </a:p>
@@ -2273,7 +2289,7 @@
             <a:fld id="{44E5DA55-CAF6-45D5-9B9E-5BBAC000588C}" type="datetimeFigureOut">
               <a:rPr lang="en-US" smtClean="0"/>
               <a:pPr/>
-              <a:t>8/7/2013</a:t>
+              <a:t>7/21/2014</a:t>
             </a:fld>
             <a:endParaRPr lang="en-US"/>
           </a:p>
@@ -2528,7 +2544,7 @@
             <a:fld id="{44E5DA55-CAF6-45D5-9B9E-5BBAC000588C}" type="datetimeFigureOut">
               <a:rPr lang="en-US" smtClean="0"/>
               <a:pPr/>
-              <a:t>8/7/2013</a:t>
+              <a:t>7/21/2014</a:t>
             </a:fld>
             <a:endParaRPr lang="en-US"/>
           </a:p>
@@ -2743,7 +2759,7 @@
             <a:fld id="{44E5DA55-CAF6-45D5-9B9E-5BBAC000588C}" type="datetimeFigureOut">
               <a:rPr lang="en-US" smtClean="0"/>
               <a:pPr/>
-              <a:t>8/7/2013</a:t>
+              <a:t>7/21/2014</a:t>
             </a:fld>
             <a:endParaRPr lang="en-US"/>
           </a:p>
@@ -7910,11 +7926,7 @@
             </a:r>
             <a:r>
               <a:rPr lang="en-US" sz="1400" smtClean="0"/>
-              <a:t>2.0.0</a:t>
-            </a:r>
-            <a:r>
-              <a:rPr lang="en-US" sz="1400" smtClean="0"/>
-              <a:t> </a:t>
+              <a:t>2.1.0 </a:t>
             </a:r>
             <a:r>
               <a:rPr lang="en-US" sz="1400" dirty="0" smtClean="0"/>

--- a/Documentation/ProfilesRNS_OntologyDiagram.pptx
+++ b/Documentation/ProfilesRNS_OntologyDiagram.pptx
@@ -305,7 +305,7 @@
             <a:fld id="{44E5DA55-CAF6-45D5-9B9E-5BBAC000588C}" type="datetimeFigureOut">
               <a:rPr lang="en-US" smtClean="0"/>
               <a:pPr/>
-              <a:t>7/21/2014</a:t>
+              <a:t>8/2/2014</a:t>
             </a:fld>
             <a:endParaRPr lang="en-US"/>
           </a:p>
@@ -477,7 +477,7 @@
             <a:fld id="{44E5DA55-CAF6-45D5-9B9E-5BBAC000588C}" type="datetimeFigureOut">
               <a:rPr lang="en-US" smtClean="0"/>
               <a:pPr/>
-              <a:t>7/21/2014</a:t>
+              <a:t>8/2/2014</a:t>
             </a:fld>
             <a:endParaRPr lang="en-US"/>
           </a:p>
@@ -659,7 +659,7 @@
             <a:fld id="{44E5DA55-CAF6-45D5-9B9E-5BBAC000588C}" type="datetimeFigureOut">
               <a:rPr lang="en-US" smtClean="0"/>
               <a:pPr/>
-              <a:t>7/21/2014</a:t>
+              <a:t>8/2/2014</a:t>
             </a:fld>
             <a:endParaRPr lang="en-US"/>
           </a:p>
@@ -831,7 +831,7 @@
             <a:fld id="{44E5DA55-CAF6-45D5-9B9E-5BBAC000588C}" type="datetimeFigureOut">
               <a:rPr lang="en-US" smtClean="0"/>
               <a:pPr/>
-              <a:t>7/21/2014</a:t>
+              <a:t>8/2/2014</a:t>
             </a:fld>
             <a:endParaRPr lang="en-US"/>
           </a:p>
@@ -1079,7 +1079,7 @@
             <a:fld id="{44E5DA55-CAF6-45D5-9B9E-5BBAC000588C}" type="datetimeFigureOut">
               <a:rPr lang="en-US" smtClean="0"/>
               <a:pPr/>
-              <a:t>7/21/2014</a:t>
+              <a:t>8/2/2014</a:t>
             </a:fld>
             <a:endParaRPr lang="en-US"/>
           </a:p>
@@ -1369,7 +1369,7 @@
             <a:fld id="{44E5DA55-CAF6-45D5-9B9E-5BBAC000588C}" type="datetimeFigureOut">
               <a:rPr lang="en-US" smtClean="0"/>
               <a:pPr/>
-              <a:t>7/21/2014</a:t>
+              <a:t>8/2/2014</a:t>
             </a:fld>
             <a:endParaRPr lang="en-US"/>
           </a:p>
@@ -1793,7 +1793,7 @@
             <a:fld id="{44E5DA55-CAF6-45D5-9B9E-5BBAC000588C}" type="datetimeFigureOut">
               <a:rPr lang="en-US" smtClean="0"/>
               <a:pPr/>
-              <a:t>7/21/2014</a:t>
+              <a:t>8/2/2014</a:t>
             </a:fld>
             <a:endParaRPr lang="en-US"/>
           </a:p>
@@ -1913,7 +1913,7 @@
             <a:fld id="{44E5DA55-CAF6-45D5-9B9E-5BBAC000588C}" type="datetimeFigureOut">
               <a:rPr lang="en-US" smtClean="0"/>
               <a:pPr/>
-              <a:t>7/21/2014</a:t>
+              <a:t>8/2/2014</a:t>
             </a:fld>
             <a:endParaRPr lang="en-US"/>
           </a:p>
@@ -2010,7 +2010,7 @@
             <a:fld id="{44E5DA55-CAF6-45D5-9B9E-5BBAC000588C}" type="datetimeFigureOut">
               <a:rPr lang="en-US" smtClean="0"/>
               <a:pPr/>
-              <a:t>7/21/2014</a:t>
+              <a:t>8/2/2014</a:t>
             </a:fld>
             <a:endParaRPr lang="en-US"/>
           </a:p>
@@ -2289,7 +2289,7 @@
             <a:fld id="{44E5DA55-CAF6-45D5-9B9E-5BBAC000588C}" type="datetimeFigureOut">
               <a:rPr lang="en-US" smtClean="0"/>
               <a:pPr/>
-              <a:t>7/21/2014</a:t>
+              <a:t>8/2/2014</a:t>
             </a:fld>
             <a:endParaRPr lang="en-US"/>
           </a:p>
@@ -2544,7 +2544,7 @@
             <a:fld id="{44E5DA55-CAF6-45D5-9B9E-5BBAC000588C}" type="datetimeFigureOut">
               <a:rPr lang="en-US" smtClean="0"/>
               <a:pPr/>
-              <a:t>7/21/2014</a:t>
+              <a:t>8/2/2014</a:t>
             </a:fld>
             <a:endParaRPr lang="en-US"/>
           </a:p>
@@ -2759,7 +2759,7 @@
             <a:fld id="{44E5DA55-CAF6-45D5-9B9E-5BBAC000588C}" type="datetimeFigureOut">
               <a:rPr lang="en-US" smtClean="0"/>
               <a:pPr/>
-              <a:t>7/21/2014</a:t>
+              <a:t>8/2/2014</a:t>
             </a:fld>
             <a:endParaRPr lang="en-US"/>
           </a:p>
@@ -7926,7 +7926,7 @@
             </a:r>
             <a:r>
               <a:rPr lang="en-US" sz="1400" smtClean="0"/>
-              <a:t>2.1.0 </a:t>
+              <a:t>2.5.0 </a:t>
             </a:r>
             <a:r>
               <a:rPr lang="en-US" sz="1400" dirty="0" smtClean="0"/>

--- a/Documentation/ProfilesRNS_OntologyDiagram.pptx
+++ b/Documentation/ProfilesRNS_OntologyDiagram.pptx
@@ -305,7 +305,7 @@
             <a:fld id="{44E5DA55-CAF6-45D5-9B9E-5BBAC000588C}" type="datetimeFigureOut">
               <a:rPr lang="en-US" smtClean="0"/>
               <a:pPr/>
-              <a:t>8/2/2014</a:t>
+              <a:t>9/3/2014</a:t>
             </a:fld>
             <a:endParaRPr lang="en-US"/>
           </a:p>
@@ -477,7 +477,7 @@
             <a:fld id="{44E5DA55-CAF6-45D5-9B9E-5BBAC000588C}" type="datetimeFigureOut">
               <a:rPr lang="en-US" smtClean="0"/>
               <a:pPr/>
-              <a:t>8/2/2014</a:t>
+              <a:t>9/3/2014</a:t>
             </a:fld>
             <a:endParaRPr lang="en-US"/>
           </a:p>
@@ -659,7 +659,7 @@
             <a:fld id="{44E5DA55-CAF6-45D5-9B9E-5BBAC000588C}" type="datetimeFigureOut">
               <a:rPr lang="en-US" smtClean="0"/>
               <a:pPr/>
-              <a:t>8/2/2014</a:t>
+              <a:t>9/3/2014</a:t>
             </a:fld>
             <a:endParaRPr lang="en-US"/>
           </a:p>
@@ -831,7 +831,7 @@
             <a:fld id="{44E5DA55-CAF6-45D5-9B9E-5BBAC000588C}" type="datetimeFigureOut">
               <a:rPr lang="en-US" smtClean="0"/>
               <a:pPr/>
-              <a:t>8/2/2014</a:t>
+              <a:t>9/3/2014</a:t>
             </a:fld>
             <a:endParaRPr lang="en-US"/>
           </a:p>
@@ -1079,7 +1079,7 @@
             <a:fld id="{44E5DA55-CAF6-45D5-9B9E-5BBAC000588C}" type="datetimeFigureOut">
               <a:rPr lang="en-US" smtClean="0"/>
               <a:pPr/>
-              <a:t>8/2/2014</a:t>
+              <a:t>9/3/2014</a:t>
             </a:fld>
             <a:endParaRPr lang="en-US"/>
           </a:p>
@@ -1369,7 +1369,7 @@
             <a:fld id="{44E5DA55-CAF6-45D5-9B9E-5BBAC000588C}" type="datetimeFigureOut">
               <a:rPr lang="en-US" smtClean="0"/>
               <a:pPr/>
-              <a:t>8/2/2014</a:t>
+              <a:t>9/3/2014</a:t>
             </a:fld>
             <a:endParaRPr lang="en-US"/>
           </a:p>
@@ -1793,7 +1793,7 @@
             <a:fld id="{44E5DA55-CAF6-45D5-9B9E-5BBAC000588C}" type="datetimeFigureOut">
               <a:rPr lang="en-US" smtClean="0"/>
               <a:pPr/>
-              <a:t>8/2/2014</a:t>
+              <a:t>9/3/2014</a:t>
             </a:fld>
             <a:endParaRPr lang="en-US"/>
           </a:p>
@@ -1913,7 +1913,7 @@
             <a:fld id="{44E5DA55-CAF6-45D5-9B9E-5BBAC000588C}" type="datetimeFigureOut">
               <a:rPr lang="en-US" smtClean="0"/>
               <a:pPr/>
-              <a:t>8/2/2014</a:t>
+              <a:t>9/3/2014</a:t>
             </a:fld>
             <a:endParaRPr lang="en-US"/>
           </a:p>
@@ -2010,7 +2010,7 @@
             <a:fld id="{44E5DA55-CAF6-45D5-9B9E-5BBAC000588C}" type="datetimeFigureOut">
               <a:rPr lang="en-US" smtClean="0"/>
               <a:pPr/>
-              <a:t>8/2/2014</a:t>
+              <a:t>9/3/2014</a:t>
             </a:fld>
             <a:endParaRPr lang="en-US"/>
           </a:p>
@@ -2289,7 +2289,7 @@
             <a:fld id="{44E5DA55-CAF6-45D5-9B9E-5BBAC000588C}" type="datetimeFigureOut">
               <a:rPr lang="en-US" smtClean="0"/>
               <a:pPr/>
-              <a:t>8/2/2014</a:t>
+              <a:t>9/3/2014</a:t>
             </a:fld>
             <a:endParaRPr lang="en-US"/>
           </a:p>
@@ -2544,7 +2544,7 @@
             <a:fld id="{44E5DA55-CAF6-45D5-9B9E-5BBAC000588C}" type="datetimeFigureOut">
               <a:rPr lang="en-US" smtClean="0"/>
               <a:pPr/>
-              <a:t>8/2/2014</a:t>
+              <a:t>9/3/2014</a:t>
             </a:fld>
             <a:endParaRPr lang="en-US"/>
           </a:p>
@@ -2759,7 +2759,7 @@
             <a:fld id="{44E5DA55-CAF6-45D5-9B9E-5BBAC000588C}" type="datetimeFigureOut">
               <a:rPr lang="en-US" smtClean="0"/>
               <a:pPr/>
-              <a:t>8/2/2014</a:t>
+              <a:t>9/3/2014</a:t>
             </a:fld>
             <a:endParaRPr lang="en-US"/>
           </a:p>
@@ -7926,7 +7926,7 @@
             </a:r>
             <a:r>
               <a:rPr lang="en-US" sz="1400" smtClean="0"/>
-              <a:t>2.5.0 </a:t>
+              <a:t>2.5.1 </a:t>
             </a:r>
             <a:r>
               <a:rPr lang="en-US" sz="1400" dirty="0" smtClean="0"/>

--- a/Documentation/ProfilesRNS_OntologyDiagram.pptx
+++ b/Documentation/ProfilesRNS_OntologyDiagram.pptx
@@ -305,7 +305,7 @@
             <a:fld id="{44E5DA55-CAF6-45D5-9B9E-5BBAC000588C}" type="datetimeFigureOut">
               <a:rPr lang="en-US" smtClean="0"/>
               <a:pPr/>
-              <a:t>9/3/2014</a:t>
+              <a:t>3/19/2015</a:t>
             </a:fld>
             <a:endParaRPr lang="en-US"/>
           </a:p>
@@ -477,7 +477,7 @@
             <a:fld id="{44E5DA55-CAF6-45D5-9B9E-5BBAC000588C}" type="datetimeFigureOut">
               <a:rPr lang="en-US" smtClean="0"/>
               <a:pPr/>
-              <a:t>9/3/2014</a:t>
+              <a:t>3/19/2015</a:t>
             </a:fld>
             <a:endParaRPr lang="en-US"/>
           </a:p>
@@ -659,7 +659,7 @@
             <a:fld id="{44E5DA55-CAF6-45D5-9B9E-5BBAC000588C}" type="datetimeFigureOut">
               <a:rPr lang="en-US" smtClean="0"/>
               <a:pPr/>
-              <a:t>9/3/2014</a:t>
+              <a:t>3/19/2015</a:t>
             </a:fld>
             <a:endParaRPr lang="en-US"/>
           </a:p>
@@ -831,7 +831,7 @@
             <a:fld id="{44E5DA55-CAF6-45D5-9B9E-5BBAC000588C}" type="datetimeFigureOut">
               <a:rPr lang="en-US" smtClean="0"/>
               <a:pPr/>
-              <a:t>9/3/2014</a:t>
+              <a:t>3/19/2015</a:t>
             </a:fld>
             <a:endParaRPr lang="en-US"/>
           </a:p>
@@ -1079,7 +1079,7 @@
             <a:fld id="{44E5DA55-CAF6-45D5-9B9E-5BBAC000588C}" type="datetimeFigureOut">
               <a:rPr lang="en-US" smtClean="0"/>
               <a:pPr/>
-              <a:t>9/3/2014</a:t>
+              <a:t>3/19/2015</a:t>
             </a:fld>
             <a:endParaRPr lang="en-US"/>
           </a:p>
@@ -1369,7 +1369,7 @@
             <a:fld id="{44E5DA55-CAF6-45D5-9B9E-5BBAC000588C}" type="datetimeFigureOut">
               <a:rPr lang="en-US" smtClean="0"/>
               <a:pPr/>
-              <a:t>9/3/2014</a:t>
+              <a:t>3/19/2015</a:t>
             </a:fld>
             <a:endParaRPr lang="en-US"/>
           </a:p>
@@ -1793,7 +1793,7 @@
             <a:fld id="{44E5DA55-CAF6-45D5-9B9E-5BBAC000588C}" type="datetimeFigureOut">
               <a:rPr lang="en-US" smtClean="0"/>
               <a:pPr/>
-              <a:t>9/3/2014</a:t>
+              <a:t>3/19/2015</a:t>
             </a:fld>
             <a:endParaRPr lang="en-US"/>
           </a:p>
@@ -1913,7 +1913,7 @@
             <a:fld id="{44E5DA55-CAF6-45D5-9B9E-5BBAC000588C}" type="datetimeFigureOut">
               <a:rPr lang="en-US" smtClean="0"/>
               <a:pPr/>
-              <a:t>9/3/2014</a:t>
+              <a:t>3/19/2015</a:t>
             </a:fld>
             <a:endParaRPr lang="en-US"/>
           </a:p>
@@ -2010,7 +2010,7 @@
             <a:fld id="{44E5DA55-CAF6-45D5-9B9E-5BBAC000588C}" type="datetimeFigureOut">
               <a:rPr lang="en-US" smtClean="0"/>
               <a:pPr/>
-              <a:t>9/3/2014</a:t>
+              <a:t>3/19/2015</a:t>
             </a:fld>
             <a:endParaRPr lang="en-US"/>
           </a:p>
@@ -2289,7 +2289,7 @@
             <a:fld id="{44E5DA55-CAF6-45D5-9B9E-5BBAC000588C}" type="datetimeFigureOut">
               <a:rPr lang="en-US" smtClean="0"/>
               <a:pPr/>
-              <a:t>9/3/2014</a:t>
+              <a:t>3/19/2015</a:t>
             </a:fld>
             <a:endParaRPr lang="en-US"/>
           </a:p>
@@ -2544,7 +2544,7 @@
             <a:fld id="{44E5DA55-CAF6-45D5-9B9E-5BBAC000588C}" type="datetimeFigureOut">
               <a:rPr lang="en-US" smtClean="0"/>
               <a:pPr/>
-              <a:t>9/3/2014</a:t>
+              <a:t>3/19/2015</a:t>
             </a:fld>
             <a:endParaRPr lang="en-US"/>
           </a:p>
@@ -2759,7 +2759,7 @@
             <a:fld id="{44E5DA55-CAF6-45D5-9B9E-5BBAC000588C}" type="datetimeFigureOut">
               <a:rPr lang="en-US" smtClean="0"/>
               <a:pPr/>
-              <a:t>9/3/2014</a:t>
+              <a:t>3/19/2015</a:t>
             </a:fld>
             <a:endParaRPr lang="en-US"/>
           </a:p>
@@ -7926,7 +7926,7 @@
             </a:r>
             <a:r>
               <a:rPr lang="en-US" sz="1400" smtClean="0"/>
-              <a:t>2.5.1 </a:t>
+              <a:t>2.6.0 </a:t>
             </a:r>
             <a:r>
               <a:rPr lang="en-US" sz="1400" dirty="0" smtClean="0"/>

--- a/Documentation/ProfilesRNS_OntologyDiagram.pptx
+++ b/Documentation/ProfilesRNS_OntologyDiagram.pptx
@@ -305,7 +305,7 @@
             <a:fld id="{44E5DA55-CAF6-45D5-9B9E-5BBAC000588C}" type="datetimeFigureOut">
               <a:rPr lang="en-US" smtClean="0"/>
               <a:pPr/>
-              <a:t>3/19/2015</a:t>
+              <a:t>8/3/2015</a:t>
             </a:fld>
             <a:endParaRPr lang="en-US"/>
           </a:p>
@@ -477,7 +477,7 @@
             <a:fld id="{44E5DA55-CAF6-45D5-9B9E-5BBAC000588C}" type="datetimeFigureOut">
               <a:rPr lang="en-US" smtClean="0"/>
               <a:pPr/>
-              <a:t>3/19/2015</a:t>
+              <a:t>8/3/2015</a:t>
             </a:fld>
             <a:endParaRPr lang="en-US"/>
           </a:p>
@@ -659,7 +659,7 @@
             <a:fld id="{44E5DA55-CAF6-45D5-9B9E-5BBAC000588C}" type="datetimeFigureOut">
               <a:rPr lang="en-US" smtClean="0"/>
               <a:pPr/>
-              <a:t>3/19/2015</a:t>
+              <a:t>8/3/2015</a:t>
             </a:fld>
             <a:endParaRPr lang="en-US"/>
           </a:p>
@@ -831,7 +831,7 @@
             <a:fld id="{44E5DA55-CAF6-45D5-9B9E-5BBAC000588C}" type="datetimeFigureOut">
               <a:rPr lang="en-US" smtClean="0"/>
               <a:pPr/>
-              <a:t>3/19/2015</a:t>
+              <a:t>8/3/2015</a:t>
             </a:fld>
             <a:endParaRPr lang="en-US"/>
           </a:p>
@@ -1079,7 +1079,7 @@
             <a:fld id="{44E5DA55-CAF6-45D5-9B9E-5BBAC000588C}" type="datetimeFigureOut">
               <a:rPr lang="en-US" smtClean="0"/>
               <a:pPr/>
-              <a:t>3/19/2015</a:t>
+              <a:t>8/3/2015</a:t>
             </a:fld>
             <a:endParaRPr lang="en-US"/>
           </a:p>
@@ -1369,7 +1369,7 @@
             <a:fld id="{44E5DA55-CAF6-45D5-9B9E-5BBAC000588C}" type="datetimeFigureOut">
               <a:rPr lang="en-US" smtClean="0"/>
               <a:pPr/>
-              <a:t>3/19/2015</a:t>
+              <a:t>8/3/2015</a:t>
             </a:fld>
             <a:endParaRPr lang="en-US"/>
           </a:p>
@@ -1793,7 +1793,7 @@
             <a:fld id="{44E5DA55-CAF6-45D5-9B9E-5BBAC000588C}" type="datetimeFigureOut">
               <a:rPr lang="en-US" smtClean="0"/>
               <a:pPr/>
-              <a:t>3/19/2015</a:t>
+              <a:t>8/3/2015</a:t>
             </a:fld>
             <a:endParaRPr lang="en-US"/>
           </a:p>
@@ -1913,7 +1913,7 @@
             <a:fld id="{44E5DA55-CAF6-45D5-9B9E-5BBAC000588C}" type="datetimeFigureOut">
               <a:rPr lang="en-US" smtClean="0"/>
               <a:pPr/>
-              <a:t>3/19/2015</a:t>
+              <a:t>8/3/2015</a:t>
             </a:fld>
             <a:endParaRPr lang="en-US"/>
           </a:p>
@@ -2010,7 +2010,7 @@
             <a:fld id="{44E5DA55-CAF6-45D5-9B9E-5BBAC000588C}" type="datetimeFigureOut">
               <a:rPr lang="en-US" smtClean="0"/>
               <a:pPr/>
-              <a:t>3/19/2015</a:t>
+              <a:t>8/3/2015</a:t>
             </a:fld>
             <a:endParaRPr lang="en-US"/>
           </a:p>
@@ -2289,7 +2289,7 @@
             <a:fld id="{44E5DA55-CAF6-45D5-9B9E-5BBAC000588C}" type="datetimeFigureOut">
               <a:rPr lang="en-US" smtClean="0"/>
               <a:pPr/>
-              <a:t>3/19/2015</a:t>
+              <a:t>8/3/2015</a:t>
             </a:fld>
             <a:endParaRPr lang="en-US"/>
           </a:p>
@@ -2544,7 +2544,7 @@
             <a:fld id="{44E5DA55-CAF6-45D5-9B9E-5BBAC000588C}" type="datetimeFigureOut">
               <a:rPr lang="en-US" smtClean="0"/>
               <a:pPr/>
-              <a:t>3/19/2015</a:t>
+              <a:t>8/3/2015</a:t>
             </a:fld>
             <a:endParaRPr lang="en-US"/>
           </a:p>
@@ -2759,7 +2759,7 @@
             <a:fld id="{44E5DA55-CAF6-45D5-9B9E-5BBAC000588C}" type="datetimeFigureOut">
               <a:rPr lang="en-US" smtClean="0"/>
               <a:pPr/>
-              <a:t>3/19/2015</a:t>
+              <a:t>8/3/2015</a:t>
             </a:fld>
             <a:endParaRPr lang="en-US"/>
           </a:p>
@@ -7926,7 +7926,7 @@
             </a:r>
             <a:r>
               <a:rPr lang="en-US" sz="1400" smtClean="0"/>
-              <a:t>2.6.0 </a:t>
+              <a:t>2.7.0 </a:t>
             </a:r>
             <a:r>
               <a:rPr lang="en-US" sz="1400" dirty="0" smtClean="0"/>

--- a/Documentation/ProfilesRNS_OntologyDiagram.pptx
+++ b/Documentation/ProfilesRNS_OntologyDiagram.pptx
@@ -305,7 +305,7 @@
             <a:fld id="{44E5DA55-CAF6-45D5-9B9E-5BBAC000588C}" type="datetimeFigureOut">
               <a:rPr lang="en-US" smtClean="0"/>
               <a:pPr/>
-              <a:t>8/3/2015</a:t>
+              <a:t>4/19/2016</a:t>
             </a:fld>
             <a:endParaRPr lang="en-US"/>
           </a:p>
@@ -477,7 +477,7 @@
             <a:fld id="{44E5DA55-CAF6-45D5-9B9E-5BBAC000588C}" type="datetimeFigureOut">
               <a:rPr lang="en-US" smtClean="0"/>
               <a:pPr/>
-              <a:t>8/3/2015</a:t>
+              <a:t>4/19/2016</a:t>
             </a:fld>
             <a:endParaRPr lang="en-US"/>
           </a:p>
@@ -659,7 +659,7 @@
             <a:fld id="{44E5DA55-CAF6-45D5-9B9E-5BBAC000588C}" type="datetimeFigureOut">
               <a:rPr lang="en-US" smtClean="0"/>
               <a:pPr/>
-              <a:t>8/3/2015</a:t>
+              <a:t>4/19/2016</a:t>
             </a:fld>
             <a:endParaRPr lang="en-US"/>
           </a:p>
@@ -831,7 +831,7 @@
             <a:fld id="{44E5DA55-CAF6-45D5-9B9E-5BBAC000588C}" type="datetimeFigureOut">
               <a:rPr lang="en-US" smtClean="0"/>
               <a:pPr/>
-              <a:t>8/3/2015</a:t>
+              <a:t>4/19/2016</a:t>
             </a:fld>
             <a:endParaRPr lang="en-US"/>
           </a:p>
@@ -1079,7 +1079,7 @@
             <a:fld id="{44E5DA55-CAF6-45D5-9B9E-5BBAC000588C}" type="datetimeFigureOut">
               <a:rPr lang="en-US" smtClean="0"/>
               <a:pPr/>
-              <a:t>8/3/2015</a:t>
+              <a:t>4/19/2016</a:t>
             </a:fld>
             <a:endParaRPr lang="en-US"/>
           </a:p>
@@ -1369,7 +1369,7 @@
             <a:fld id="{44E5DA55-CAF6-45D5-9B9E-5BBAC000588C}" type="datetimeFigureOut">
               <a:rPr lang="en-US" smtClean="0"/>
               <a:pPr/>
-              <a:t>8/3/2015</a:t>
+              <a:t>4/19/2016</a:t>
             </a:fld>
             <a:endParaRPr lang="en-US"/>
           </a:p>
@@ -1793,7 +1793,7 @@
             <a:fld id="{44E5DA55-CAF6-45D5-9B9E-5BBAC000588C}" type="datetimeFigureOut">
               <a:rPr lang="en-US" smtClean="0"/>
               <a:pPr/>
-              <a:t>8/3/2015</a:t>
+              <a:t>4/19/2016</a:t>
             </a:fld>
             <a:endParaRPr lang="en-US"/>
           </a:p>
@@ -1913,7 +1913,7 @@
             <a:fld id="{44E5DA55-CAF6-45D5-9B9E-5BBAC000588C}" type="datetimeFigureOut">
               <a:rPr lang="en-US" smtClean="0"/>
               <a:pPr/>
-              <a:t>8/3/2015</a:t>
+              <a:t>4/19/2016</a:t>
             </a:fld>
             <a:endParaRPr lang="en-US"/>
           </a:p>
@@ -2010,7 +2010,7 @@
             <a:fld id="{44E5DA55-CAF6-45D5-9B9E-5BBAC000588C}" type="datetimeFigureOut">
               <a:rPr lang="en-US" smtClean="0"/>
               <a:pPr/>
-              <a:t>8/3/2015</a:t>
+              <a:t>4/19/2016</a:t>
             </a:fld>
             <a:endParaRPr lang="en-US"/>
           </a:p>
@@ -2289,7 +2289,7 @@
             <a:fld id="{44E5DA55-CAF6-45D5-9B9E-5BBAC000588C}" type="datetimeFigureOut">
               <a:rPr lang="en-US" smtClean="0"/>
               <a:pPr/>
-              <a:t>8/3/2015</a:t>
+              <a:t>4/19/2016</a:t>
             </a:fld>
             <a:endParaRPr lang="en-US"/>
           </a:p>
@@ -2544,7 +2544,7 @@
             <a:fld id="{44E5DA55-CAF6-45D5-9B9E-5BBAC000588C}" type="datetimeFigureOut">
               <a:rPr lang="en-US" smtClean="0"/>
               <a:pPr/>
-              <a:t>8/3/2015</a:t>
+              <a:t>4/19/2016</a:t>
             </a:fld>
             <a:endParaRPr lang="en-US"/>
           </a:p>
@@ -2759,7 +2759,7 @@
             <a:fld id="{44E5DA55-CAF6-45D5-9B9E-5BBAC000588C}" type="datetimeFigureOut">
               <a:rPr lang="en-US" smtClean="0"/>
               <a:pPr/>
-              <a:t>8/3/2015</a:t>
+              <a:t>4/19/2016</a:t>
             </a:fld>
             <a:endParaRPr lang="en-US"/>
           </a:p>
@@ -7926,7 +7926,7 @@
             </a:r>
             <a:r>
               <a:rPr lang="en-US" sz="1400" smtClean="0"/>
-              <a:t>2.7.0 </a:t>
+              <a:t>2.8.0 </a:t>
             </a:r>
             <a:r>
               <a:rPr lang="en-US" sz="1400" dirty="0" smtClean="0"/>

--- a/Documentation/ProfilesRNS_OntologyDiagram.pptx
+++ b/Documentation/ProfilesRNS_OntologyDiagram.pptx
@@ -305,7 +305,7 @@
             <a:fld id="{44E5DA55-CAF6-45D5-9B9E-5BBAC000588C}" type="datetimeFigureOut">
               <a:rPr lang="en-US" smtClean="0"/>
               <a:pPr/>
-              <a:t>4/19/2016</a:t>
+              <a:t>8/10/2016</a:t>
             </a:fld>
             <a:endParaRPr lang="en-US"/>
           </a:p>
@@ -477,7 +477,7 @@
             <a:fld id="{44E5DA55-CAF6-45D5-9B9E-5BBAC000588C}" type="datetimeFigureOut">
               <a:rPr lang="en-US" smtClean="0"/>
               <a:pPr/>
-              <a:t>4/19/2016</a:t>
+              <a:t>8/10/2016</a:t>
             </a:fld>
             <a:endParaRPr lang="en-US"/>
           </a:p>
@@ -659,7 +659,7 @@
             <a:fld id="{44E5DA55-CAF6-45D5-9B9E-5BBAC000588C}" type="datetimeFigureOut">
               <a:rPr lang="en-US" smtClean="0"/>
               <a:pPr/>
-              <a:t>4/19/2016</a:t>
+              <a:t>8/10/2016</a:t>
             </a:fld>
             <a:endParaRPr lang="en-US"/>
           </a:p>
@@ -831,7 +831,7 @@
             <a:fld id="{44E5DA55-CAF6-45D5-9B9E-5BBAC000588C}" type="datetimeFigureOut">
               <a:rPr lang="en-US" smtClean="0"/>
               <a:pPr/>
-              <a:t>4/19/2016</a:t>
+              <a:t>8/10/2016</a:t>
             </a:fld>
             <a:endParaRPr lang="en-US"/>
           </a:p>
@@ -1079,7 +1079,7 @@
             <a:fld id="{44E5DA55-CAF6-45D5-9B9E-5BBAC000588C}" type="datetimeFigureOut">
               <a:rPr lang="en-US" smtClean="0"/>
               <a:pPr/>
-              <a:t>4/19/2016</a:t>
+              <a:t>8/10/2016</a:t>
             </a:fld>
             <a:endParaRPr lang="en-US"/>
           </a:p>
@@ -1369,7 +1369,7 @@
             <a:fld id="{44E5DA55-CAF6-45D5-9B9E-5BBAC000588C}" type="datetimeFigureOut">
               <a:rPr lang="en-US" smtClean="0"/>
               <a:pPr/>
-              <a:t>4/19/2016</a:t>
+              <a:t>8/10/2016</a:t>
             </a:fld>
             <a:endParaRPr lang="en-US"/>
           </a:p>
@@ -1793,7 +1793,7 @@
             <a:fld id="{44E5DA55-CAF6-45D5-9B9E-5BBAC000588C}" type="datetimeFigureOut">
               <a:rPr lang="en-US" smtClean="0"/>
               <a:pPr/>
-              <a:t>4/19/2016</a:t>
+              <a:t>8/10/2016</a:t>
             </a:fld>
             <a:endParaRPr lang="en-US"/>
           </a:p>
@@ -1913,7 +1913,7 @@
             <a:fld id="{44E5DA55-CAF6-45D5-9B9E-5BBAC000588C}" type="datetimeFigureOut">
               <a:rPr lang="en-US" smtClean="0"/>
               <a:pPr/>
-              <a:t>4/19/2016</a:t>
+              <a:t>8/10/2016</a:t>
             </a:fld>
             <a:endParaRPr lang="en-US"/>
           </a:p>
@@ -2010,7 +2010,7 @@
             <a:fld id="{44E5DA55-CAF6-45D5-9B9E-5BBAC000588C}" type="datetimeFigureOut">
               <a:rPr lang="en-US" smtClean="0"/>
               <a:pPr/>
-              <a:t>4/19/2016</a:t>
+              <a:t>8/10/2016</a:t>
             </a:fld>
             <a:endParaRPr lang="en-US"/>
           </a:p>
@@ -2289,7 +2289,7 @@
             <a:fld id="{44E5DA55-CAF6-45D5-9B9E-5BBAC000588C}" type="datetimeFigureOut">
               <a:rPr lang="en-US" smtClean="0"/>
               <a:pPr/>
-              <a:t>4/19/2016</a:t>
+              <a:t>8/10/2016</a:t>
             </a:fld>
             <a:endParaRPr lang="en-US"/>
           </a:p>
@@ -2544,7 +2544,7 @@
             <a:fld id="{44E5DA55-CAF6-45D5-9B9E-5BBAC000588C}" type="datetimeFigureOut">
               <a:rPr lang="en-US" smtClean="0"/>
               <a:pPr/>
-              <a:t>4/19/2016</a:t>
+              <a:t>8/10/2016</a:t>
             </a:fld>
             <a:endParaRPr lang="en-US"/>
           </a:p>
@@ -2759,7 +2759,7 @@
             <a:fld id="{44E5DA55-CAF6-45D5-9B9E-5BBAC000588C}" type="datetimeFigureOut">
               <a:rPr lang="en-US" smtClean="0"/>
               <a:pPr/>
-              <a:t>4/19/2016</a:t>
+              <a:t>8/10/2016</a:t>
             </a:fld>
             <a:endParaRPr lang="en-US"/>
           </a:p>
@@ -7926,7 +7926,7 @@
             </a:r>
             <a:r>
               <a:rPr lang="en-US" sz="1400" smtClean="0"/>
-              <a:t>2.8.0 </a:t>
+              <a:t>2.9.0 </a:t>
             </a:r>
             <a:r>
               <a:rPr lang="en-US" sz="1400" dirty="0" smtClean="0"/>

--- a/Documentation/ProfilesRNS_OntologyDiagram.pptx
+++ b/Documentation/ProfilesRNS_OntologyDiagram.pptx
@@ -305,7 +305,7 @@
             <a:fld id="{44E5DA55-CAF6-45D5-9B9E-5BBAC000588C}" type="datetimeFigureOut">
               <a:rPr lang="en-US" smtClean="0"/>
               <a:pPr/>
-              <a:t>8/10/2016</a:t>
+              <a:t>12/9/2016</a:t>
             </a:fld>
             <a:endParaRPr lang="en-US"/>
           </a:p>
@@ -477,7 +477,7 @@
             <a:fld id="{44E5DA55-CAF6-45D5-9B9E-5BBAC000588C}" type="datetimeFigureOut">
               <a:rPr lang="en-US" smtClean="0"/>
               <a:pPr/>
-              <a:t>8/10/2016</a:t>
+              <a:t>12/9/2016</a:t>
             </a:fld>
             <a:endParaRPr lang="en-US"/>
           </a:p>
@@ -659,7 +659,7 @@
             <a:fld id="{44E5DA55-CAF6-45D5-9B9E-5BBAC000588C}" type="datetimeFigureOut">
               <a:rPr lang="en-US" smtClean="0"/>
               <a:pPr/>
-              <a:t>8/10/2016</a:t>
+              <a:t>12/9/2016</a:t>
             </a:fld>
             <a:endParaRPr lang="en-US"/>
           </a:p>
@@ -831,7 +831,7 @@
             <a:fld id="{44E5DA55-CAF6-45D5-9B9E-5BBAC000588C}" type="datetimeFigureOut">
               <a:rPr lang="en-US" smtClean="0"/>
               <a:pPr/>
-              <a:t>8/10/2016</a:t>
+              <a:t>12/9/2016</a:t>
             </a:fld>
             <a:endParaRPr lang="en-US"/>
           </a:p>
@@ -1079,7 +1079,7 @@
             <a:fld id="{44E5DA55-CAF6-45D5-9B9E-5BBAC000588C}" type="datetimeFigureOut">
               <a:rPr lang="en-US" smtClean="0"/>
               <a:pPr/>
-              <a:t>8/10/2016</a:t>
+              <a:t>12/9/2016</a:t>
             </a:fld>
             <a:endParaRPr lang="en-US"/>
           </a:p>
@@ -1369,7 +1369,7 @@
             <a:fld id="{44E5DA55-CAF6-45D5-9B9E-5BBAC000588C}" type="datetimeFigureOut">
               <a:rPr lang="en-US" smtClean="0"/>
               <a:pPr/>
-              <a:t>8/10/2016</a:t>
+              <a:t>12/9/2016</a:t>
             </a:fld>
             <a:endParaRPr lang="en-US"/>
           </a:p>
@@ -1793,7 +1793,7 @@
             <a:fld id="{44E5DA55-CAF6-45D5-9B9E-5BBAC000588C}" type="datetimeFigureOut">
               <a:rPr lang="en-US" smtClean="0"/>
               <a:pPr/>
-              <a:t>8/10/2016</a:t>
+              <a:t>12/9/2016</a:t>
             </a:fld>
             <a:endParaRPr lang="en-US"/>
           </a:p>
@@ -1913,7 +1913,7 @@
             <a:fld id="{44E5DA55-CAF6-45D5-9B9E-5BBAC000588C}" type="datetimeFigureOut">
               <a:rPr lang="en-US" smtClean="0"/>
               <a:pPr/>
-              <a:t>8/10/2016</a:t>
+              <a:t>12/9/2016</a:t>
             </a:fld>
             <a:endParaRPr lang="en-US"/>
           </a:p>
@@ -2010,7 +2010,7 @@
             <a:fld id="{44E5DA55-CAF6-45D5-9B9E-5BBAC000588C}" type="datetimeFigureOut">
               <a:rPr lang="en-US" smtClean="0"/>
               <a:pPr/>
-              <a:t>8/10/2016</a:t>
+              <a:t>12/9/2016</a:t>
             </a:fld>
             <a:endParaRPr lang="en-US"/>
           </a:p>
@@ -2289,7 +2289,7 @@
             <a:fld id="{44E5DA55-CAF6-45D5-9B9E-5BBAC000588C}" type="datetimeFigureOut">
               <a:rPr lang="en-US" smtClean="0"/>
               <a:pPr/>
-              <a:t>8/10/2016</a:t>
+              <a:t>12/9/2016</a:t>
             </a:fld>
             <a:endParaRPr lang="en-US"/>
           </a:p>
@@ -2544,7 +2544,7 @@
             <a:fld id="{44E5DA55-CAF6-45D5-9B9E-5BBAC000588C}" type="datetimeFigureOut">
               <a:rPr lang="en-US" smtClean="0"/>
               <a:pPr/>
-              <a:t>8/10/2016</a:t>
+              <a:t>12/9/2016</a:t>
             </a:fld>
             <a:endParaRPr lang="en-US"/>
           </a:p>
@@ -2759,7 +2759,7 @@
             <a:fld id="{44E5DA55-CAF6-45D5-9B9E-5BBAC000588C}" type="datetimeFigureOut">
               <a:rPr lang="en-US" smtClean="0"/>
               <a:pPr/>
-              <a:t>8/10/2016</a:t>
+              <a:t>12/9/2016</a:t>
             </a:fld>
             <a:endParaRPr lang="en-US"/>
           </a:p>
@@ -7926,7 +7926,7 @@
             </a:r>
             <a:r>
               <a:rPr lang="en-US" sz="1400" smtClean="0"/>
-              <a:t>2.9.0 </a:t>
+              <a:t>2.10.0 </a:t>
             </a:r>
             <a:r>
               <a:rPr lang="en-US" sz="1400" dirty="0" smtClean="0"/>

--- a/Documentation/ProfilesRNS_OntologyDiagram.pptx
+++ b/Documentation/ProfilesRNS_OntologyDiagram.pptx
@@ -305,7 +305,7 @@
             <a:fld id="{44E5DA55-CAF6-45D5-9B9E-5BBAC000588C}" type="datetimeFigureOut">
               <a:rPr lang="en-US" smtClean="0"/>
               <a:pPr/>
-              <a:t>12/9/2016</a:t>
+              <a:t>3/20/2017</a:t>
             </a:fld>
             <a:endParaRPr lang="en-US"/>
           </a:p>
@@ -477,7 +477,7 @@
             <a:fld id="{44E5DA55-CAF6-45D5-9B9E-5BBAC000588C}" type="datetimeFigureOut">
               <a:rPr lang="en-US" smtClean="0"/>
               <a:pPr/>
-              <a:t>12/9/2016</a:t>
+              <a:t>3/20/2017</a:t>
             </a:fld>
             <a:endParaRPr lang="en-US"/>
           </a:p>
@@ -659,7 +659,7 @@
             <a:fld id="{44E5DA55-CAF6-45D5-9B9E-5BBAC000588C}" type="datetimeFigureOut">
               <a:rPr lang="en-US" smtClean="0"/>
               <a:pPr/>
-              <a:t>12/9/2016</a:t>
+              <a:t>3/20/2017</a:t>
             </a:fld>
             <a:endParaRPr lang="en-US"/>
           </a:p>
@@ -831,7 +831,7 @@
             <a:fld id="{44E5DA55-CAF6-45D5-9B9E-5BBAC000588C}" type="datetimeFigureOut">
               <a:rPr lang="en-US" smtClean="0"/>
               <a:pPr/>
-              <a:t>12/9/2016</a:t>
+              <a:t>3/20/2017</a:t>
             </a:fld>
             <a:endParaRPr lang="en-US"/>
           </a:p>
@@ -1079,7 +1079,7 @@
             <a:fld id="{44E5DA55-CAF6-45D5-9B9E-5BBAC000588C}" type="datetimeFigureOut">
               <a:rPr lang="en-US" smtClean="0"/>
               <a:pPr/>
-              <a:t>12/9/2016</a:t>
+              <a:t>3/20/2017</a:t>
             </a:fld>
             <a:endParaRPr lang="en-US"/>
           </a:p>
@@ -1369,7 +1369,7 @@
             <a:fld id="{44E5DA55-CAF6-45D5-9B9E-5BBAC000588C}" type="datetimeFigureOut">
               <a:rPr lang="en-US" smtClean="0"/>
               <a:pPr/>
-              <a:t>12/9/2016</a:t>
+              <a:t>3/20/2017</a:t>
             </a:fld>
             <a:endParaRPr lang="en-US"/>
           </a:p>
@@ -1793,7 +1793,7 @@
             <a:fld id="{44E5DA55-CAF6-45D5-9B9E-5BBAC000588C}" type="datetimeFigureOut">
               <a:rPr lang="en-US" smtClean="0"/>
               <a:pPr/>
-              <a:t>12/9/2016</a:t>
+              <a:t>3/20/2017</a:t>
             </a:fld>
             <a:endParaRPr lang="en-US"/>
           </a:p>
@@ -1913,7 +1913,7 @@
             <a:fld id="{44E5DA55-CAF6-45D5-9B9E-5BBAC000588C}" type="datetimeFigureOut">
               <a:rPr lang="en-US" smtClean="0"/>
               <a:pPr/>
-              <a:t>12/9/2016</a:t>
+              <a:t>3/20/2017</a:t>
             </a:fld>
             <a:endParaRPr lang="en-US"/>
           </a:p>
@@ -2010,7 +2010,7 @@
             <a:fld id="{44E5DA55-CAF6-45D5-9B9E-5BBAC000588C}" type="datetimeFigureOut">
               <a:rPr lang="en-US" smtClean="0"/>
               <a:pPr/>
-              <a:t>12/9/2016</a:t>
+              <a:t>3/20/2017</a:t>
             </a:fld>
             <a:endParaRPr lang="en-US"/>
           </a:p>
@@ -2289,7 +2289,7 @@
             <a:fld id="{44E5DA55-CAF6-45D5-9B9E-5BBAC000588C}" type="datetimeFigureOut">
               <a:rPr lang="en-US" smtClean="0"/>
               <a:pPr/>
-              <a:t>12/9/2016</a:t>
+              <a:t>3/20/2017</a:t>
             </a:fld>
             <a:endParaRPr lang="en-US"/>
           </a:p>
@@ -2544,7 +2544,7 @@
             <a:fld id="{44E5DA55-CAF6-45D5-9B9E-5BBAC000588C}" type="datetimeFigureOut">
               <a:rPr lang="en-US" smtClean="0"/>
               <a:pPr/>
-              <a:t>12/9/2016</a:t>
+              <a:t>3/20/2017</a:t>
             </a:fld>
             <a:endParaRPr lang="en-US"/>
           </a:p>
@@ -2759,7 +2759,7 @@
             <a:fld id="{44E5DA55-CAF6-45D5-9B9E-5BBAC000588C}" type="datetimeFigureOut">
               <a:rPr lang="en-US" smtClean="0"/>
               <a:pPr/>
-              <a:t>12/9/2016</a:t>
+              <a:t>3/20/2017</a:t>
             </a:fld>
             <a:endParaRPr lang="en-US"/>
           </a:p>
@@ -7926,7 +7926,7 @@
             </a:r>
             <a:r>
               <a:rPr lang="en-US" sz="1400" smtClean="0"/>
-              <a:t>2.10.0 </a:t>
+              <a:t>2.10.1 </a:t>
             </a:r>
             <a:r>
               <a:rPr lang="en-US" sz="1400" dirty="0" smtClean="0"/>

--- a/Documentation/ProfilesRNS_OntologyDiagram.pptx
+++ b/Documentation/ProfilesRNS_OntologyDiagram.pptx
@@ -305,7 +305,7 @@
             <a:fld id="{44E5DA55-CAF6-45D5-9B9E-5BBAC000588C}" type="datetimeFigureOut">
               <a:rPr lang="en-US" smtClean="0"/>
               <a:pPr/>
-              <a:t>3/20/2017</a:t>
+              <a:t>1/15/2018</a:t>
             </a:fld>
             <a:endParaRPr lang="en-US"/>
           </a:p>
@@ -477,7 +477,7 @@
             <a:fld id="{44E5DA55-CAF6-45D5-9B9E-5BBAC000588C}" type="datetimeFigureOut">
               <a:rPr lang="en-US" smtClean="0"/>
               <a:pPr/>
-              <a:t>3/20/2017</a:t>
+              <a:t>1/15/2018</a:t>
             </a:fld>
             <a:endParaRPr lang="en-US"/>
           </a:p>
@@ -659,7 +659,7 @@
             <a:fld id="{44E5DA55-CAF6-45D5-9B9E-5BBAC000588C}" type="datetimeFigureOut">
               <a:rPr lang="en-US" smtClean="0"/>
               <a:pPr/>
-              <a:t>3/20/2017</a:t>
+              <a:t>1/15/2018</a:t>
             </a:fld>
             <a:endParaRPr lang="en-US"/>
           </a:p>
@@ -831,7 +831,7 @@
             <a:fld id="{44E5DA55-CAF6-45D5-9B9E-5BBAC000588C}" type="datetimeFigureOut">
               <a:rPr lang="en-US" smtClean="0"/>
               <a:pPr/>
-              <a:t>3/20/2017</a:t>
+              <a:t>1/15/2018</a:t>
             </a:fld>
             <a:endParaRPr lang="en-US"/>
           </a:p>
@@ -1079,7 +1079,7 @@
             <a:fld id="{44E5DA55-CAF6-45D5-9B9E-5BBAC000588C}" type="datetimeFigureOut">
               <a:rPr lang="en-US" smtClean="0"/>
               <a:pPr/>
-              <a:t>3/20/2017</a:t>
+              <a:t>1/15/2018</a:t>
             </a:fld>
             <a:endParaRPr lang="en-US"/>
           </a:p>
@@ -1369,7 +1369,7 @@
             <a:fld id="{44E5DA55-CAF6-45D5-9B9E-5BBAC000588C}" type="datetimeFigureOut">
               <a:rPr lang="en-US" smtClean="0"/>
               <a:pPr/>
-              <a:t>3/20/2017</a:t>
+              <a:t>1/15/2018</a:t>
             </a:fld>
             <a:endParaRPr lang="en-US"/>
           </a:p>
@@ -1793,7 +1793,7 @@
             <a:fld id="{44E5DA55-CAF6-45D5-9B9E-5BBAC000588C}" type="datetimeFigureOut">
               <a:rPr lang="en-US" smtClean="0"/>
               <a:pPr/>
-              <a:t>3/20/2017</a:t>
+              <a:t>1/15/2018</a:t>
             </a:fld>
             <a:endParaRPr lang="en-US"/>
           </a:p>
@@ -1913,7 +1913,7 @@
             <a:fld id="{44E5DA55-CAF6-45D5-9B9E-5BBAC000588C}" type="datetimeFigureOut">
               <a:rPr lang="en-US" smtClean="0"/>
               <a:pPr/>
-              <a:t>3/20/2017</a:t>
+              <a:t>1/15/2018</a:t>
             </a:fld>
             <a:endParaRPr lang="en-US"/>
           </a:p>
@@ -2010,7 +2010,7 @@
             <a:fld id="{44E5DA55-CAF6-45D5-9B9E-5BBAC000588C}" type="datetimeFigureOut">
               <a:rPr lang="en-US" smtClean="0"/>
               <a:pPr/>
-              <a:t>3/20/2017</a:t>
+              <a:t>1/15/2018</a:t>
             </a:fld>
             <a:endParaRPr lang="en-US"/>
           </a:p>
@@ -2289,7 +2289,7 @@
             <a:fld id="{44E5DA55-CAF6-45D5-9B9E-5BBAC000588C}" type="datetimeFigureOut">
               <a:rPr lang="en-US" smtClean="0"/>
               <a:pPr/>
-              <a:t>3/20/2017</a:t>
+              <a:t>1/15/2018</a:t>
             </a:fld>
             <a:endParaRPr lang="en-US"/>
           </a:p>
@@ -2544,7 +2544,7 @@
             <a:fld id="{44E5DA55-CAF6-45D5-9B9E-5BBAC000588C}" type="datetimeFigureOut">
               <a:rPr lang="en-US" smtClean="0"/>
               <a:pPr/>
-              <a:t>3/20/2017</a:t>
+              <a:t>1/15/2018</a:t>
             </a:fld>
             <a:endParaRPr lang="en-US"/>
           </a:p>
@@ -2759,7 +2759,7 @@
             <a:fld id="{44E5DA55-CAF6-45D5-9B9E-5BBAC000588C}" type="datetimeFigureOut">
               <a:rPr lang="en-US" smtClean="0"/>
               <a:pPr/>
-              <a:t>3/20/2017</a:t>
+              <a:t>1/15/2018</a:t>
             </a:fld>
             <a:endParaRPr lang="en-US"/>
           </a:p>
@@ -7926,7 +7926,7 @@
             </a:r>
             <a:r>
               <a:rPr lang="en-US" sz="1400" smtClean="0"/>
-              <a:t>2.10.1 </a:t>
+              <a:t>2.11.0 </a:t>
             </a:r>
             <a:r>
               <a:rPr lang="en-US" sz="1400" dirty="0" smtClean="0"/>

--- a/Documentation/ProfilesRNS_OntologyDiagram.pptx
+++ b/Documentation/ProfilesRNS_OntologyDiagram.pptx
@@ -123,6 +123,10 @@
 </p:presentation>
 </file>
 
+<file path=ppt/revisionInfo.xml><?xml version="1.0" encoding="utf-8"?>
+<p1510:revInfo xmlns:a="http://schemas.openxmlformats.org/drawingml/2006/main" xmlns:r="http://schemas.openxmlformats.org/officeDocument/2006/relationships" xmlns:p1510="http://schemas.microsoft.com/office/powerpoint/2015/10/main"/>
+</file>
+
 <file path=ppt/slideLayouts/slideLayout1.xml><?xml version="1.0" encoding="utf-8"?>
 <p:sldLayout xmlns:a="http://schemas.openxmlformats.org/drawingml/2006/main" xmlns:r="http://schemas.openxmlformats.org/officeDocument/2006/relationships" xmlns:p="http://schemas.openxmlformats.org/presentationml/2006/main" type="title" preserve="1">
   <p:cSld name="Title Slide">
@@ -161,10 +165,9 @@
           <a:lstStyle/>
           <a:p>
             <a:r>
-              <a:rPr lang="en-US" smtClean="0"/>
+              <a:rPr lang="en-US"/>
               <a:t>Click to edit Master title style</a:t>
             </a:r>
-            <a:endParaRPr lang="en-US"/>
           </a:p>
         </p:txBody>
       </p:sp>
@@ -280,10 +283,9 @@
           </a:lstStyle>
           <a:p>
             <a:r>
-              <a:rPr lang="en-US" smtClean="0"/>
+              <a:rPr lang="en-US"/>
               <a:t>Click to edit Master subtitle style</a:t>
             </a:r>
-            <a:endParaRPr lang="en-US"/>
           </a:p>
         </p:txBody>
       </p:sp>
@@ -305,7 +307,7 @@
             <a:fld id="{44E5DA55-CAF6-45D5-9B9E-5BBAC000588C}" type="datetimeFigureOut">
               <a:rPr lang="en-US" smtClean="0"/>
               <a:pPr/>
-              <a:t>1/15/2018</a:t>
+              <a:t>5/29/2018</a:t>
             </a:fld>
             <a:endParaRPr lang="en-US"/>
           </a:p>
@@ -400,10 +402,9 @@
           <a:lstStyle/>
           <a:p>
             <a:r>
-              <a:rPr lang="en-US" smtClean="0"/>
+              <a:rPr lang="en-US"/>
               <a:t>Click to edit Master title style</a:t>
             </a:r>
-            <a:endParaRPr lang="en-US"/>
           </a:p>
         </p:txBody>
       </p:sp>
@@ -424,38 +425,37 @@
           <a:p>
             <a:pPr lvl="0"/>
             <a:r>
-              <a:rPr lang="en-US" smtClean="0"/>
+              <a:rPr lang="en-US"/>
               <a:t>Click to edit Master text styles</a:t>
             </a:r>
           </a:p>
           <a:p>
             <a:pPr lvl="1"/>
             <a:r>
-              <a:rPr lang="en-US" smtClean="0"/>
+              <a:rPr lang="en-US"/>
               <a:t>Second level</a:t>
             </a:r>
           </a:p>
           <a:p>
             <a:pPr lvl="2"/>
             <a:r>
-              <a:rPr lang="en-US" smtClean="0"/>
+              <a:rPr lang="en-US"/>
               <a:t>Third level</a:t>
             </a:r>
           </a:p>
           <a:p>
             <a:pPr lvl="3"/>
             <a:r>
-              <a:rPr lang="en-US" smtClean="0"/>
+              <a:rPr lang="en-US"/>
               <a:t>Fourth level</a:t>
             </a:r>
           </a:p>
           <a:p>
             <a:pPr lvl="4"/>
             <a:r>
-              <a:rPr lang="en-US" smtClean="0"/>
+              <a:rPr lang="en-US"/>
               <a:t>Fifth level</a:t>
             </a:r>
-            <a:endParaRPr lang="en-US"/>
           </a:p>
         </p:txBody>
       </p:sp>
@@ -477,7 +477,7 @@
             <a:fld id="{44E5DA55-CAF6-45D5-9B9E-5BBAC000588C}" type="datetimeFigureOut">
               <a:rPr lang="en-US" smtClean="0"/>
               <a:pPr/>
-              <a:t>1/15/2018</a:t>
+              <a:t>5/29/2018</a:t>
             </a:fld>
             <a:endParaRPr lang="en-US"/>
           </a:p>
@@ -577,10 +577,9 @@
           <a:lstStyle/>
           <a:p>
             <a:r>
-              <a:rPr lang="en-US" smtClean="0"/>
+              <a:rPr lang="en-US"/>
               <a:t>Click to edit Master title style</a:t>
             </a:r>
-            <a:endParaRPr lang="en-US"/>
           </a:p>
         </p:txBody>
       </p:sp>
@@ -606,38 +605,37 @@
           <a:p>
             <a:pPr lvl="0"/>
             <a:r>
-              <a:rPr lang="en-US" smtClean="0"/>
+              <a:rPr lang="en-US"/>
               <a:t>Click to edit Master text styles</a:t>
             </a:r>
           </a:p>
           <a:p>
             <a:pPr lvl="1"/>
             <a:r>
-              <a:rPr lang="en-US" smtClean="0"/>
+              <a:rPr lang="en-US"/>
               <a:t>Second level</a:t>
             </a:r>
           </a:p>
           <a:p>
             <a:pPr lvl="2"/>
             <a:r>
-              <a:rPr lang="en-US" smtClean="0"/>
+              <a:rPr lang="en-US"/>
               <a:t>Third level</a:t>
             </a:r>
           </a:p>
           <a:p>
             <a:pPr lvl="3"/>
             <a:r>
-              <a:rPr lang="en-US" smtClean="0"/>
+              <a:rPr lang="en-US"/>
               <a:t>Fourth level</a:t>
             </a:r>
           </a:p>
           <a:p>
             <a:pPr lvl="4"/>
             <a:r>
-              <a:rPr lang="en-US" smtClean="0"/>
+              <a:rPr lang="en-US"/>
               <a:t>Fifth level</a:t>
             </a:r>
-            <a:endParaRPr lang="en-US"/>
           </a:p>
         </p:txBody>
       </p:sp>
@@ -659,7 +657,7 @@
             <a:fld id="{44E5DA55-CAF6-45D5-9B9E-5BBAC000588C}" type="datetimeFigureOut">
               <a:rPr lang="en-US" smtClean="0"/>
               <a:pPr/>
-              <a:t>1/15/2018</a:t>
+              <a:t>5/29/2018</a:t>
             </a:fld>
             <a:endParaRPr lang="en-US"/>
           </a:p>
@@ -754,10 +752,9 @@
           <a:lstStyle/>
           <a:p>
             <a:r>
-              <a:rPr lang="en-US" smtClean="0"/>
+              <a:rPr lang="en-US"/>
               <a:t>Click to edit Master title style</a:t>
             </a:r>
-            <a:endParaRPr lang="en-US"/>
           </a:p>
         </p:txBody>
       </p:sp>
@@ -778,38 +775,37 @@
           <a:p>
             <a:pPr lvl="0"/>
             <a:r>
-              <a:rPr lang="en-US" smtClean="0"/>
+              <a:rPr lang="en-US"/>
               <a:t>Click to edit Master text styles</a:t>
             </a:r>
           </a:p>
           <a:p>
             <a:pPr lvl="1"/>
             <a:r>
-              <a:rPr lang="en-US" smtClean="0"/>
+              <a:rPr lang="en-US"/>
               <a:t>Second level</a:t>
             </a:r>
           </a:p>
           <a:p>
             <a:pPr lvl="2"/>
             <a:r>
-              <a:rPr lang="en-US" smtClean="0"/>
+              <a:rPr lang="en-US"/>
               <a:t>Third level</a:t>
             </a:r>
           </a:p>
           <a:p>
             <a:pPr lvl="3"/>
             <a:r>
-              <a:rPr lang="en-US" smtClean="0"/>
+              <a:rPr lang="en-US"/>
               <a:t>Fourth level</a:t>
             </a:r>
           </a:p>
           <a:p>
             <a:pPr lvl="4"/>
             <a:r>
-              <a:rPr lang="en-US" smtClean="0"/>
+              <a:rPr lang="en-US"/>
               <a:t>Fifth level</a:t>
             </a:r>
-            <a:endParaRPr lang="en-US"/>
           </a:p>
         </p:txBody>
       </p:sp>
@@ -831,7 +827,7 @@
             <a:fld id="{44E5DA55-CAF6-45D5-9B9E-5BBAC000588C}" type="datetimeFigureOut">
               <a:rPr lang="en-US" smtClean="0"/>
               <a:pPr/>
-              <a:t>1/15/2018</a:t>
+              <a:t>5/29/2018</a:t>
             </a:fld>
             <a:endParaRPr lang="en-US"/>
           </a:p>
@@ -935,10 +931,9 @@
           </a:lstStyle>
           <a:p>
             <a:r>
-              <a:rPr lang="en-US" smtClean="0"/>
+              <a:rPr lang="en-US"/>
               <a:t>Click to edit Master title style</a:t>
             </a:r>
-            <a:endParaRPr lang="en-US"/>
           </a:p>
         </p:txBody>
       </p:sp>
@@ -1055,7 +1050,7 @@
           <a:p>
             <a:pPr lvl="0"/>
             <a:r>
-              <a:rPr lang="en-US" smtClean="0"/>
+              <a:rPr lang="en-US"/>
               <a:t>Click to edit Master text styles</a:t>
             </a:r>
           </a:p>
@@ -1079,7 +1074,7 @@
             <a:fld id="{44E5DA55-CAF6-45D5-9B9E-5BBAC000588C}" type="datetimeFigureOut">
               <a:rPr lang="en-US" smtClean="0"/>
               <a:pPr/>
-              <a:t>1/15/2018</a:t>
+              <a:t>5/29/2018</a:t>
             </a:fld>
             <a:endParaRPr lang="en-US"/>
           </a:p>
@@ -1174,10 +1169,9 @@
           <a:lstStyle/>
           <a:p>
             <a:r>
-              <a:rPr lang="en-US" smtClean="0"/>
+              <a:rPr lang="en-US"/>
               <a:t>Click to edit Master title style</a:t>
             </a:r>
-            <a:endParaRPr lang="en-US"/>
           </a:p>
         </p:txBody>
       </p:sp>
@@ -1231,38 +1225,37 @@
           <a:p>
             <a:pPr lvl="0"/>
             <a:r>
-              <a:rPr lang="en-US" smtClean="0"/>
+              <a:rPr lang="en-US"/>
               <a:t>Click to edit Master text styles</a:t>
             </a:r>
           </a:p>
           <a:p>
             <a:pPr lvl="1"/>
             <a:r>
-              <a:rPr lang="en-US" smtClean="0"/>
+              <a:rPr lang="en-US"/>
               <a:t>Second level</a:t>
             </a:r>
           </a:p>
           <a:p>
             <a:pPr lvl="2"/>
             <a:r>
-              <a:rPr lang="en-US" smtClean="0"/>
+              <a:rPr lang="en-US"/>
               <a:t>Third level</a:t>
             </a:r>
           </a:p>
           <a:p>
             <a:pPr lvl="3"/>
             <a:r>
-              <a:rPr lang="en-US" smtClean="0"/>
+              <a:rPr lang="en-US"/>
               <a:t>Fourth level</a:t>
             </a:r>
           </a:p>
           <a:p>
             <a:pPr lvl="4"/>
             <a:r>
-              <a:rPr lang="en-US" smtClean="0"/>
+              <a:rPr lang="en-US"/>
               <a:t>Fifth level</a:t>
             </a:r>
-            <a:endParaRPr lang="en-US"/>
           </a:p>
         </p:txBody>
       </p:sp>
@@ -1316,38 +1309,37 @@
           <a:p>
             <a:pPr lvl="0"/>
             <a:r>
-              <a:rPr lang="en-US" smtClean="0"/>
+              <a:rPr lang="en-US"/>
               <a:t>Click to edit Master text styles</a:t>
             </a:r>
           </a:p>
           <a:p>
             <a:pPr lvl="1"/>
             <a:r>
-              <a:rPr lang="en-US" smtClean="0"/>
+              <a:rPr lang="en-US"/>
               <a:t>Second level</a:t>
             </a:r>
           </a:p>
           <a:p>
             <a:pPr lvl="2"/>
             <a:r>
-              <a:rPr lang="en-US" smtClean="0"/>
+              <a:rPr lang="en-US"/>
               <a:t>Third level</a:t>
             </a:r>
           </a:p>
           <a:p>
             <a:pPr lvl="3"/>
             <a:r>
-              <a:rPr lang="en-US" smtClean="0"/>
+              <a:rPr lang="en-US"/>
               <a:t>Fourth level</a:t>
             </a:r>
           </a:p>
           <a:p>
             <a:pPr lvl="4"/>
             <a:r>
-              <a:rPr lang="en-US" smtClean="0"/>
+              <a:rPr lang="en-US"/>
               <a:t>Fifth level</a:t>
             </a:r>
-            <a:endParaRPr lang="en-US"/>
           </a:p>
         </p:txBody>
       </p:sp>
@@ -1369,7 +1361,7 @@
             <a:fld id="{44E5DA55-CAF6-45D5-9B9E-5BBAC000588C}" type="datetimeFigureOut">
               <a:rPr lang="en-US" smtClean="0"/>
               <a:pPr/>
-              <a:t>1/15/2018</a:t>
+              <a:t>5/29/2018</a:t>
             </a:fld>
             <a:endParaRPr lang="en-US"/>
           </a:p>
@@ -1468,10 +1460,9 @@
           </a:lstStyle>
           <a:p>
             <a:r>
-              <a:rPr lang="en-US" smtClean="0"/>
+              <a:rPr lang="en-US"/>
               <a:t>Click to edit Master title style</a:t>
             </a:r>
-            <a:endParaRPr lang="en-US"/>
           </a:p>
         </p:txBody>
       </p:sp>
@@ -1534,7 +1525,7 @@
           <a:p>
             <a:pPr lvl="0"/>
             <a:r>
-              <a:rPr lang="en-US" smtClean="0"/>
+              <a:rPr lang="en-US"/>
               <a:t>Click to edit Master text styles</a:t>
             </a:r>
           </a:p>
@@ -1590,38 +1581,37 @@
           <a:p>
             <a:pPr lvl="0"/>
             <a:r>
-              <a:rPr lang="en-US" smtClean="0"/>
+              <a:rPr lang="en-US"/>
               <a:t>Click to edit Master text styles</a:t>
             </a:r>
           </a:p>
           <a:p>
             <a:pPr lvl="1"/>
             <a:r>
-              <a:rPr lang="en-US" smtClean="0"/>
+              <a:rPr lang="en-US"/>
               <a:t>Second level</a:t>
             </a:r>
           </a:p>
           <a:p>
             <a:pPr lvl="2"/>
             <a:r>
-              <a:rPr lang="en-US" smtClean="0"/>
+              <a:rPr lang="en-US"/>
               <a:t>Third level</a:t>
             </a:r>
           </a:p>
           <a:p>
             <a:pPr lvl="3"/>
             <a:r>
-              <a:rPr lang="en-US" smtClean="0"/>
+              <a:rPr lang="en-US"/>
               <a:t>Fourth level</a:t>
             </a:r>
           </a:p>
           <a:p>
             <a:pPr lvl="4"/>
             <a:r>
-              <a:rPr lang="en-US" smtClean="0"/>
+              <a:rPr lang="en-US"/>
               <a:t>Fifth level</a:t>
             </a:r>
-            <a:endParaRPr lang="en-US"/>
           </a:p>
         </p:txBody>
       </p:sp>
@@ -1684,7 +1674,7 @@
           <a:p>
             <a:pPr lvl="0"/>
             <a:r>
-              <a:rPr lang="en-US" smtClean="0"/>
+              <a:rPr lang="en-US"/>
               <a:t>Click to edit Master text styles</a:t>
             </a:r>
           </a:p>
@@ -1740,38 +1730,37 @@
           <a:p>
             <a:pPr lvl="0"/>
             <a:r>
-              <a:rPr lang="en-US" smtClean="0"/>
+              <a:rPr lang="en-US"/>
               <a:t>Click to edit Master text styles</a:t>
             </a:r>
           </a:p>
           <a:p>
             <a:pPr lvl="1"/>
             <a:r>
-              <a:rPr lang="en-US" smtClean="0"/>
+              <a:rPr lang="en-US"/>
               <a:t>Second level</a:t>
             </a:r>
           </a:p>
           <a:p>
             <a:pPr lvl="2"/>
             <a:r>
-              <a:rPr lang="en-US" smtClean="0"/>
+              <a:rPr lang="en-US"/>
               <a:t>Third level</a:t>
             </a:r>
           </a:p>
           <a:p>
             <a:pPr lvl="3"/>
             <a:r>
-              <a:rPr lang="en-US" smtClean="0"/>
+              <a:rPr lang="en-US"/>
               <a:t>Fourth level</a:t>
             </a:r>
           </a:p>
           <a:p>
             <a:pPr lvl="4"/>
             <a:r>
-              <a:rPr lang="en-US" smtClean="0"/>
+              <a:rPr lang="en-US"/>
               <a:t>Fifth level</a:t>
             </a:r>
-            <a:endParaRPr lang="en-US"/>
           </a:p>
         </p:txBody>
       </p:sp>
@@ -1793,7 +1782,7 @@
             <a:fld id="{44E5DA55-CAF6-45D5-9B9E-5BBAC000588C}" type="datetimeFigureOut">
               <a:rPr lang="en-US" smtClean="0"/>
               <a:pPr/>
-              <a:t>1/15/2018</a:t>
+              <a:t>5/29/2018</a:t>
             </a:fld>
             <a:endParaRPr lang="en-US"/>
           </a:p>
@@ -1888,10 +1877,9 @@
           <a:lstStyle/>
           <a:p>
             <a:r>
-              <a:rPr lang="en-US" smtClean="0"/>
+              <a:rPr lang="en-US"/>
               <a:t>Click to edit Master title style</a:t>
             </a:r>
-            <a:endParaRPr lang="en-US"/>
           </a:p>
         </p:txBody>
       </p:sp>
@@ -1913,7 +1901,7 @@
             <a:fld id="{44E5DA55-CAF6-45D5-9B9E-5BBAC000588C}" type="datetimeFigureOut">
               <a:rPr lang="en-US" smtClean="0"/>
               <a:pPr/>
-              <a:t>1/15/2018</a:t>
+              <a:t>5/29/2018</a:t>
             </a:fld>
             <a:endParaRPr lang="en-US"/>
           </a:p>
@@ -2010,7 +1998,7 @@
             <a:fld id="{44E5DA55-CAF6-45D5-9B9E-5BBAC000588C}" type="datetimeFigureOut">
               <a:rPr lang="en-US" smtClean="0"/>
               <a:pPr/>
-              <a:t>1/15/2018</a:t>
+              <a:t>5/29/2018</a:t>
             </a:fld>
             <a:endParaRPr lang="en-US"/>
           </a:p>
@@ -2114,10 +2102,9 @@
           </a:lstStyle>
           <a:p>
             <a:r>
-              <a:rPr lang="en-US" smtClean="0"/>
+              <a:rPr lang="en-US"/>
               <a:t>Click to edit Master title style</a:t>
             </a:r>
-            <a:endParaRPr lang="en-US"/>
           </a:p>
         </p:txBody>
       </p:sp>
@@ -2171,38 +2158,37 @@
           <a:p>
             <a:pPr lvl="0"/>
             <a:r>
-              <a:rPr lang="en-US" smtClean="0"/>
+              <a:rPr lang="en-US"/>
               <a:t>Click to edit Master text styles</a:t>
             </a:r>
           </a:p>
           <a:p>
             <a:pPr lvl="1"/>
             <a:r>
-              <a:rPr lang="en-US" smtClean="0"/>
+              <a:rPr lang="en-US"/>
               <a:t>Second level</a:t>
             </a:r>
           </a:p>
           <a:p>
             <a:pPr lvl="2"/>
             <a:r>
-              <a:rPr lang="en-US" smtClean="0"/>
+              <a:rPr lang="en-US"/>
               <a:t>Third level</a:t>
             </a:r>
           </a:p>
           <a:p>
             <a:pPr lvl="3"/>
             <a:r>
-              <a:rPr lang="en-US" smtClean="0"/>
+              <a:rPr lang="en-US"/>
               <a:t>Fourth level</a:t>
             </a:r>
           </a:p>
           <a:p>
             <a:pPr lvl="4"/>
             <a:r>
-              <a:rPr lang="en-US" smtClean="0"/>
+              <a:rPr lang="en-US"/>
               <a:t>Fifth level</a:t>
             </a:r>
-            <a:endParaRPr lang="en-US"/>
           </a:p>
         </p:txBody>
       </p:sp>
@@ -2265,7 +2251,7 @@
           <a:p>
             <a:pPr lvl="0"/>
             <a:r>
-              <a:rPr lang="en-US" smtClean="0"/>
+              <a:rPr lang="en-US"/>
               <a:t>Click to edit Master text styles</a:t>
             </a:r>
           </a:p>
@@ -2289,7 +2275,7 @@
             <a:fld id="{44E5DA55-CAF6-45D5-9B9E-5BBAC000588C}" type="datetimeFigureOut">
               <a:rPr lang="en-US" smtClean="0"/>
               <a:pPr/>
-              <a:t>1/15/2018</a:t>
+              <a:t>5/29/2018</a:t>
             </a:fld>
             <a:endParaRPr lang="en-US"/>
           </a:p>
@@ -2393,10 +2379,9 @@
           </a:lstStyle>
           <a:p>
             <a:r>
-              <a:rPr lang="en-US" smtClean="0"/>
+              <a:rPr lang="en-US"/>
               <a:t>Click to edit Master title style</a:t>
             </a:r>
-            <a:endParaRPr lang="en-US"/>
           </a:p>
         </p:txBody>
       </p:sp>
@@ -2520,7 +2505,7 @@
           <a:p>
             <a:pPr lvl="0"/>
             <a:r>
-              <a:rPr lang="en-US" smtClean="0"/>
+              <a:rPr lang="en-US"/>
               <a:t>Click to edit Master text styles</a:t>
             </a:r>
           </a:p>
@@ -2544,7 +2529,7 @@
             <a:fld id="{44E5DA55-CAF6-45D5-9B9E-5BBAC000588C}" type="datetimeFigureOut">
               <a:rPr lang="en-US" smtClean="0"/>
               <a:pPr/>
-              <a:t>1/15/2018</a:t>
+              <a:t>5/29/2018</a:t>
             </a:fld>
             <a:endParaRPr lang="en-US"/>
           </a:p>
@@ -2654,10 +2639,9 @@
           <a:lstStyle/>
           <a:p>
             <a:r>
-              <a:rPr lang="en-US" smtClean="0"/>
+              <a:rPr lang="en-US"/>
               <a:t>Click to edit Master title style</a:t>
             </a:r>
-            <a:endParaRPr lang="en-US"/>
           </a:p>
         </p:txBody>
       </p:sp>
@@ -2688,38 +2672,37 @@
           <a:p>
             <a:pPr lvl="0"/>
             <a:r>
-              <a:rPr lang="en-US" smtClean="0"/>
+              <a:rPr lang="en-US"/>
               <a:t>Click to edit Master text styles</a:t>
             </a:r>
           </a:p>
           <a:p>
             <a:pPr lvl="1"/>
             <a:r>
-              <a:rPr lang="en-US" smtClean="0"/>
+              <a:rPr lang="en-US"/>
               <a:t>Second level</a:t>
             </a:r>
           </a:p>
           <a:p>
             <a:pPr lvl="2"/>
             <a:r>
-              <a:rPr lang="en-US" smtClean="0"/>
+              <a:rPr lang="en-US"/>
               <a:t>Third level</a:t>
             </a:r>
           </a:p>
           <a:p>
             <a:pPr lvl="3"/>
             <a:r>
-              <a:rPr lang="en-US" smtClean="0"/>
+              <a:rPr lang="en-US"/>
               <a:t>Fourth level</a:t>
             </a:r>
           </a:p>
           <a:p>
             <a:pPr lvl="4"/>
             <a:r>
-              <a:rPr lang="en-US" smtClean="0"/>
+              <a:rPr lang="en-US"/>
               <a:t>Fifth level</a:t>
             </a:r>
-            <a:endParaRPr lang="en-US"/>
           </a:p>
         </p:txBody>
       </p:sp>
@@ -2759,7 +2742,7 @@
             <a:fld id="{44E5DA55-CAF6-45D5-9B9E-5BBAC000588C}" type="datetimeFigureOut">
               <a:rPr lang="en-US" smtClean="0"/>
               <a:pPr/>
-              <a:t>1/15/2018</a:t>
+              <a:t>5/29/2018</a:t>
             </a:fld>
             <a:endParaRPr lang="en-US"/>
           </a:p>
@@ -4802,7 +4785,7 @@
               <a:defRPr/>
             </a:pPr>
             <a:r>
-              <a:rPr lang="en-US" sz="1100" b="1" dirty="0" err="1" smtClean="0">
+              <a:rPr lang="en-US" sz="1100" b="1" dirty="0" err="1">
                 <a:solidFill>
                   <a:schemeClr val="tx1"/>
                 </a:solidFill>
@@ -4868,7 +4851,7 @@
               <a:defRPr/>
             </a:pPr>
             <a:r>
-              <a:rPr lang="en-US" sz="1100" b="1" dirty="0" err="1" smtClean="0">
+              <a:rPr lang="en-US" sz="1100" b="1" dirty="0" err="1">
                 <a:solidFill>
                   <a:schemeClr val="tx1"/>
                 </a:solidFill>
@@ -5406,14 +5389,14 @@
           <a:p>
             <a:pPr algn="ctr" eaLnBrk="1" hangingPunct="1"/>
             <a:r>
-              <a:rPr lang="en-US" sz="1000" dirty="0" smtClean="0">
+              <a:rPr lang="en-US" sz="1000" dirty="0">
                 <a:latin typeface="Arial Narrow" pitchFamily="34" charset="0"/>
                 <a:sym typeface="Wingdings" pitchFamily="2" charset="2"/>
               </a:rPr>
               <a:t></a:t>
             </a:r>
             <a:r>
-              <a:rPr lang="en-US" sz="1000" dirty="0" err="1" smtClean="0">
+              <a:rPr lang="en-US" sz="1000" dirty="0" err="1">
                 <a:latin typeface="Arial Narrow" pitchFamily="34" charset="0"/>
                 <a:sym typeface="Wingdings" pitchFamily="2" charset="2"/>
               </a:rPr>
@@ -5579,22 +5562,18 @@
           <a:p>
             <a:pPr algn="ctr" eaLnBrk="1" hangingPunct="1"/>
             <a:r>
-              <a:rPr lang="en-US" sz="1000" dirty="0" err="1" smtClean="0">
+              <a:rPr lang="en-US" sz="1000" dirty="0" err="1">
                 <a:latin typeface="Arial Narrow" pitchFamily="34" charset="0"/>
               </a:rPr>
               <a:t>prns:hasPersonFilter</a:t>
             </a:r>
             <a:r>
-              <a:rPr lang="en-US" sz="1000" dirty="0" smtClean="0">
+              <a:rPr lang="en-US" sz="1000" dirty="0">
                 <a:latin typeface="Arial Narrow" pitchFamily="34" charset="0"/>
                 <a:sym typeface="Wingdings" pitchFamily="2" charset="2"/>
               </a:rPr>
               <a:t></a:t>
             </a:r>
-            <a:endParaRPr lang="en-US" sz="1000" dirty="0">
-              <a:latin typeface="Arial Narrow" pitchFamily="34" charset="0"/>
-              <a:sym typeface="Wingdings" pitchFamily="2" charset="2"/>
-            </a:endParaRPr>
           </a:p>
         </p:txBody>
       </p:sp>
@@ -5747,7 +5726,7 @@
           <a:p>
             <a:pPr algn="ctr" eaLnBrk="1" hangingPunct="1"/>
             <a:r>
-              <a:rPr lang="en-US" sz="1000" dirty="0" err="1" smtClean="0">
+              <a:rPr lang="en-US" sz="1000" dirty="0" err="1">
                 <a:latin typeface="Arial Narrow" pitchFamily="34" charset="0"/>
               </a:rPr>
               <a:t>vivo:personInPosition</a:t>
@@ -5759,14 +5738,14 @@
           <a:p>
             <a:pPr algn="ctr" eaLnBrk="1" hangingPunct="1"/>
             <a:r>
-              <a:rPr lang="en-US" sz="1000" dirty="0" err="1" smtClean="0">
+              <a:rPr lang="en-US" sz="1000" dirty="0" err="1">
                 <a:latin typeface="Arial Narrow" pitchFamily="34" charset="0"/>
                 <a:sym typeface="Wingdings" pitchFamily="2" charset="2"/>
               </a:rPr>
               <a:t>v</a:t>
             </a:r>
             <a:r>
-              <a:rPr lang="en-US" sz="1000" dirty="0" err="1" smtClean="0">
+              <a:rPr lang="en-US" sz="1000" dirty="0" err="1">
                 <a:latin typeface="Arial Narrow" pitchFamily="34" charset="0"/>
               </a:rPr>
               <a:t>ivo:positionForPerson</a:t>
@@ -5926,14 +5905,14 @@
           <a:p>
             <a:pPr algn="ctr" eaLnBrk="1" hangingPunct="1"/>
             <a:r>
-              <a:rPr lang="en-US" sz="1000" dirty="0" err="1" smtClean="0">
+              <a:rPr lang="en-US" sz="1000" dirty="0" err="1">
                 <a:latin typeface="Arial Narrow" pitchFamily="34" charset="0"/>
                 <a:sym typeface="Wingdings" pitchFamily="2" charset="2"/>
               </a:rPr>
               <a:t>v</a:t>
             </a:r>
             <a:r>
-              <a:rPr lang="en-US" sz="1000" dirty="0" err="1" smtClean="0">
+              <a:rPr lang="en-US" sz="1000" dirty="0" err="1">
                 <a:latin typeface="Arial Narrow" pitchFamily="34" charset="0"/>
               </a:rPr>
               <a:t>ivo:authorInAuthorship</a:t>
@@ -5945,7 +5924,7 @@
           <a:p>
             <a:pPr algn="ctr" eaLnBrk="1" hangingPunct="1"/>
             <a:r>
-              <a:rPr lang="en-US" sz="1000" dirty="0" err="1" smtClean="0">
+              <a:rPr lang="en-US" sz="1000" dirty="0" err="1">
                 <a:latin typeface="Arial Narrow" pitchFamily="34" charset="0"/>
               </a:rPr>
               <a:t>vivo:linkedAuthor</a:t>
@@ -7411,10 +7390,34 @@
           <a:p>
             <a:pPr algn="r" eaLnBrk="1" hangingPunct="1"/>
             <a:r>
-              <a:rPr lang="en-US" sz="1100" dirty="0" smtClean="0">
+              <a:rPr lang="en-US" sz="1100" dirty="0">
                 <a:latin typeface="Arial Narrow" pitchFamily="34" charset="0"/>
               </a:rPr>
-              <a:t>event </a:t>
+              <a:t>event =</a:t>
+            </a:r>
+          </a:p>
+          <a:p>
+            <a:pPr algn="r" eaLnBrk="1" hangingPunct="1"/>
+            <a:r>
+              <a:rPr lang="en-US" sz="1100" dirty="0" err="1">
+                <a:latin typeface="Arial Narrow" pitchFamily="34" charset="0"/>
+              </a:rPr>
+              <a:t>foaf</a:t>
+            </a:r>
+            <a:r>
+              <a:rPr lang="en-US" sz="1100" dirty="0">
+                <a:latin typeface="Arial Narrow" pitchFamily="34" charset="0"/>
+              </a:rPr>
+              <a:t> =</a:t>
+            </a:r>
+          </a:p>
+          <a:p>
+            <a:pPr algn="r" eaLnBrk="1" hangingPunct="1"/>
+            <a:r>
+              <a:rPr lang="en-US" sz="1100" dirty="0" err="1">
+                <a:latin typeface="Arial Narrow" pitchFamily="34" charset="0"/>
+              </a:rPr>
+              <a:t>prns</a:t>
             </a:r>
             <a:r>
               <a:rPr lang="en-US" sz="1100" dirty="0">
@@ -7429,58 +7432,13 @@
               <a:rPr lang="en-US" sz="1100" dirty="0" err="1">
                 <a:latin typeface="Arial Narrow" pitchFamily="34" charset="0"/>
               </a:rPr>
-              <a:t>foaf</a:t>
+              <a:t>skos</a:t>
             </a:r>
             <a:r>
               <a:rPr lang="en-US" sz="1100" dirty="0">
                 <a:latin typeface="Arial Narrow" pitchFamily="34" charset="0"/>
               </a:rPr>
-              <a:t> </a:t>
-            </a:r>
-            <a:r>
-              <a:rPr lang="en-US" sz="1100" dirty="0" smtClean="0">
-                <a:latin typeface="Arial Narrow" pitchFamily="34" charset="0"/>
-              </a:rPr>
-              <a:t>=</a:t>
-            </a:r>
-          </a:p>
-          <a:p>
-            <a:pPr algn="r" eaLnBrk="1" hangingPunct="1"/>
-            <a:r>
-              <a:rPr lang="en-US" sz="1100" dirty="0" err="1" smtClean="0">
-                <a:latin typeface="Arial Narrow" pitchFamily="34" charset="0"/>
-              </a:rPr>
-              <a:t>prns</a:t>
-            </a:r>
-            <a:r>
-              <a:rPr lang="en-US" sz="1100" dirty="0" smtClean="0">
-                <a:latin typeface="Arial Narrow" pitchFamily="34" charset="0"/>
-              </a:rPr>
-              <a:t>=</a:t>
-            </a:r>
-            <a:endParaRPr lang="en-US" sz="1100" dirty="0">
-              <a:latin typeface="Arial Narrow" pitchFamily="34" charset="0"/>
-            </a:endParaRPr>
-          </a:p>
-          <a:p>
-            <a:pPr algn="r" eaLnBrk="1" hangingPunct="1"/>
-            <a:r>
-              <a:rPr lang="en-US" sz="1100" dirty="0" err="1" smtClean="0">
-                <a:latin typeface="Arial Narrow" pitchFamily="34" charset="0"/>
-              </a:rPr>
-              <a:t>skos</a:t>
-            </a:r>
-            <a:r>
-              <a:rPr lang="en-US" sz="1100" dirty="0" smtClean="0">
-                <a:latin typeface="Arial Narrow" pitchFamily="34" charset="0"/>
-              </a:rPr>
-              <a:t> </a:t>
-            </a:r>
-            <a:r>
-              <a:rPr lang="en-US" sz="1100" dirty="0">
-                <a:latin typeface="Arial Narrow" pitchFamily="34" charset="0"/>
-              </a:rPr>
-              <a:t>=</a:t>
+              <a:t> =</a:t>
             </a:r>
           </a:p>
           <a:p>
@@ -7648,16 +7606,10 @@
           <a:p>
             <a:pPr eaLnBrk="1" hangingPunct="1"/>
             <a:r>
-              <a:rPr lang="en-US" sz="1100" dirty="0" smtClean="0">
-                <a:latin typeface="Arial Narrow" pitchFamily="34" charset="0"/>
-              </a:rPr>
-              <a:t>http</a:t>
-            </a:r>
-            <a:r>
               <a:rPr lang="en-US" sz="1100" dirty="0">
                 <a:latin typeface="Arial Narrow" pitchFamily="34" charset="0"/>
               </a:rPr>
-              <a:t>://purl.org/NET/c4dm/event.owl#</a:t>
+              <a:t>http://purl.org/NET/c4dm/event.owl#</a:t>
             </a:r>
           </a:p>
           <a:p>
@@ -7666,40 +7618,25 @@
               <a:rPr lang="en-US" sz="1100" dirty="0">
                 <a:latin typeface="Arial Narrow" pitchFamily="34" charset="0"/>
               </a:rPr>
-              <a:t>http://xmlns.com/foaf/0.1</a:t>
-            </a:r>
-            <a:r>
-              <a:rPr lang="en-US" sz="1100" dirty="0" smtClean="0">
-                <a:latin typeface="Arial Narrow" pitchFamily="34" charset="0"/>
-              </a:rPr>
-              <a:t>/</a:t>
+              <a:t>http://xmlns.com/foaf/0.1/</a:t>
             </a:r>
           </a:p>
           <a:p>
             <a:pPr eaLnBrk="1" hangingPunct="1"/>
             <a:r>
-              <a:rPr lang="en-US" sz="1100" dirty="0" smtClean="0">
+              <a:rPr lang="en-US" sz="1100" dirty="0">
                 <a:latin typeface="Arial Narrow" pitchFamily="34" charset="0"/>
               </a:rPr>
               <a:t>http://profiles.catalyst.harvard.edu/ontology/prns#</a:t>
             </a:r>
-            <a:endParaRPr lang="en-US" sz="1100" dirty="0">
-              <a:latin typeface="Arial Narrow" pitchFamily="34" charset="0"/>
-            </a:endParaRPr>
           </a:p>
           <a:p>
             <a:pPr eaLnBrk="1" hangingPunct="1"/>
-            <a:r>
-              <a:rPr lang="en-US" sz="1100" dirty="0" smtClean="0">
-                <a:latin typeface="Arial Narrow" pitchFamily="34" charset="0"/>
-              </a:rPr>
-              <a:t>http</a:t>
-            </a:r>
             <a:r>
               <a:rPr lang="en-US" sz="1100" dirty="0">
                 <a:latin typeface="Arial Narrow" pitchFamily="34" charset="0"/>
               </a:rPr>
-              <a:t>://www.w3.org/2008/05/skos#</a:t>
+              <a:t>http://www.w3.org/2008/05/skos#</a:t>
             </a:r>
           </a:p>
           <a:p>
@@ -7867,28 +7804,10 @@
           <a:p>
             <a:pPr algn="ctr" eaLnBrk="1" hangingPunct="1"/>
             <a:r>
-              <a:rPr lang="en-US" sz="2400" dirty="0" smtClean="0">
-                <a:latin typeface="+mn-lt"/>
-              </a:rPr>
-              <a:t>VIVO Ontology: Selected Classes </a:t>
-            </a:r>
-            <a:r>
               <a:rPr lang="en-US" sz="2400" dirty="0">
                 <a:latin typeface="+mn-lt"/>
               </a:rPr>
-              <a:t>and </a:t>
-            </a:r>
-            <a:r>
-              <a:rPr lang="en-US" sz="2400" dirty="0" smtClean="0">
-                <a:latin typeface="+mn-lt"/>
-              </a:rPr>
-              <a:t>Object </a:t>
-            </a:r>
-            <a:r>
-              <a:rPr lang="en-US" sz="2400" dirty="0">
-                <a:latin typeface="+mn-lt"/>
-              </a:rPr>
-              <a:t>Properties</a:t>
+              <a:t>VIVO Ontology: Selected Classes and Object Properties</a:t>
             </a:r>
           </a:p>
         </p:txBody>
@@ -7917,19 +7836,15 @@
           <a:p>
             <a:pPr algn="ctr"/>
             <a:r>
-              <a:rPr lang="en-US" sz="1400" dirty="0" smtClean="0"/>
+              <a:rPr lang="en-US" sz="1400" dirty="0"/>
               <a:t>Main classes used by Profiles </a:t>
             </a:r>
             <a:r>
-              <a:rPr lang="en-US" sz="1400" smtClean="0"/>
-              <a:t>RNS </a:t>
-            </a:r>
-            <a:r>
-              <a:rPr lang="en-US" sz="1400" smtClean="0"/>
-              <a:t>2.11.0 </a:t>
-            </a:r>
-            <a:r>
-              <a:rPr lang="en-US" sz="1400" dirty="0" smtClean="0"/>
+              <a:rPr lang="en-US" sz="1400"/>
+              <a:t>RNS 2.11.1 </a:t>
+            </a:r>
+            <a:r>
+              <a:rPr lang="en-US" sz="1400" dirty="0"/>
               <a:t>are highlighted in bold.</a:t>
             </a:r>
             <a:endParaRPr lang="en-US" sz="2000" dirty="0"/>
@@ -8229,14 +8144,14 @@
               <a:t></a:t>
             </a:r>
             <a:r>
-              <a:rPr lang="en-US" sz="1000" dirty="0" err="1" smtClean="0">
+              <a:rPr lang="en-US" sz="1000" dirty="0" err="1">
                 <a:latin typeface="Arial Narrow" pitchFamily="34" charset="0"/>
                 <a:sym typeface="Wingdings" pitchFamily="2" charset="2"/>
               </a:rPr>
               <a:t>v</a:t>
             </a:r>
             <a:r>
-              <a:rPr lang="en-US" sz="1000" dirty="0" err="1" smtClean="0">
+              <a:rPr lang="en-US" sz="1000" dirty="0" err="1">
                 <a:latin typeface="Arial Narrow" pitchFamily="34" charset="0"/>
               </a:rPr>
               <a:t>ivo:mailingAddress</a:t>
@@ -8245,13 +8160,13 @@
           <a:p>
             <a:pPr algn="ctr" eaLnBrk="1" hangingPunct="1"/>
             <a:r>
-              <a:rPr lang="en-US" sz="1000" dirty="0" err="1" smtClean="0">
+              <a:rPr lang="en-US" sz="1000" dirty="0" err="1">
                 <a:latin typeface="Arial Narrow" pitchFamily="34" charset="0"/>
               </a:rPr>
               <a:t>vivo:mailingAddressFor</a:t>
             </a:r>
             <a:r>
-              <a:rPr lang="en-US" sz="1000" dirty="0" smtClean="0">
+              <a:rPr lang="en-US" sz="1000" dirty="0">
                 <a:latin typeface="Arial Narrow" pitchFamily="34" charset="0"/>
                 <a:sym typeface="Wingdings" pitchFamily="2" charset="2"/>
               </a:rPr>
@@ -8788,7 +8703,7 @@
               <a:defRPr/>
             </a:pPr>
             <a:r>
-              <a:rPr lang="en-US" sz="1100" b="1" dirty="0" err="1" smtClean="0">
+              <a:rPr lang="en-US" sz="1100" b="1" dirty="0" err="1">
                 <a:solidFill>
                   <a:schemeClr val="tx1"/>
                 </a:solidFill>
@@ -8992,7 +8907,7 @@
           <a:p>
             <a:pPr algn="ctr" eaLnBrk="1" hangingPunct="1"/>
             <a:r>
-              <a:rPr lang="en-US" sz="1000" dirty="0" err="1" smtClean="0">
+              <a:rPr lang="en-US" sz="1000" dirty="0" err="1">
                 <a:latin typeface="Arial Narrow" pitchFamily="34" charset="0"/>
                 <a:sym typeface="Wingdings" pitchFamily="2" charset="2"/>
               </a:rPr>
@@ -9005,7 +8920,7 @@
           <a:p>
             <a:pPr algn="ctr" eaLnBrk="1" hangingPunct="1"/>
             <a:r>
-              <a:rPr lang="en-US" sz="1000" dirty="0" err="1" smtClean="0">
+              <a:rPr lang="en-US" sz="1000" dirty="0" err="1">
                 <a:latin typeface="Arial Narrow" pitchFamily="34" charset="0"/>
               </a:rPr>
               <a:t>vivo:awardOrHonorFor</a:t>
@@ -9026,13 +8941,6 @@
   <p:clrMapOvr>
     <a:masterClrMapping/>
   </p:clrMapOvr>
-  <p:timing>
-    <p:tnLst>
-      <p:par>
-        <p:cTn id="1" dur="indefinite" restart="never" nodeType="tmRoot"/>
-      </p:par>
-    </p:tnLst>
-  </p:timing>
 </p:sld>
 </file>
 

--- a/Documentation/ProfilesRNS_OntologyDiagram.pptx
+++ b/Documentation/ProfilesRNS_OntologyDiagram.pptx
@@ -123,10 +123,6 @@
 </p:presentation>
 </file>
 
-<file path=ppt/revisionInfo.xml><?xml version="1.0" encoding="utf-8"?>
-<p1510:revInfo xmlns:a="http://schemas.openxmlformats.org/drawingml/2006/main" xmlns:r="http://schemas.openxmlformats.org/officeDocument/2006/relationships" xmlns:p1510="http://schemas.microsoft.com/office/powerpoint/2015/10/main"/>
-</file>
-
 <file path=ppt/slideLayouts/slideLayout1.xml><?xml version="1.0" encoding="utf-8"?>
 <p:sldLayout xmlns:a="http://schemas.openxmlformats.org/drawingml/2006/main" xmlns:r="http://schemas.openxmlformats.org/officeDocument/2006/relationships" xmlns:p="http://schemas.openxmlformats.org/presentationml/2006/main" type="title" preserve="1">
   <p:cSld name="Title Slide">
@@ -307,7 +303,7 @@
             <a:fld id="{44E5DA55-CAF6-45D5-9B9E-5BBAC000588C}" type="datetimeFigureOut">
               <a:rPr lang="en-US" smtClean="0"/>
               <a:pPr/>
-              <a:t>5/29/2018</a:t>
+              <a:t>8/19/2019</a:t>
             </a:fld>
             <a:endParaRPr lang="en-US"/>
           </a:p>
@@ -477,7 +473,7 @@
             <a:fld id="{44E5DA55-CAF6-45D5-9B9E-5BBAC000588C}" type="datetimeFigureOut">
               <a:rPr lang="en-US" smtClean="0"/>
               <a:pPr/>
-              <a:t>5/29/2018</a:t>
+              <a:t>8/19/2019</a:t>
             </a:fld>
             <a:endParaRPr lang="en-US"/>
           </a:p>
@@ -657,7 +653,7 @@
             <a:fld id="{44E5DA55-CAF6-45D5-9B9E-5BBAC000588C}" type="datetimeFigureOut">
               <a:rPr lang="en-US" smtClean="0"/>
               <a:pPr/>
-              <a:t>5/29/2018</a:t>
+              <a:t>8/19/2019</a:t>
             </a:fld>
             <a:endParaRPr lang="en-US"/>
           </a:p>
@@ -827,7 +823,7 @@
             <a:fld id="{44E5DA55-CAF6-45D5-9B9E-5BBAC000588C}" type="datetimeFigureOut">
               <a:rPr lang="en-US" smtClean="0"/>
               <a:pPr/>
-              <a:t>5/29/2018</a:t>
+              <a:t>8/19/2019</a:t>
             </a:fld>
             <a:endParaRPr lang="en-US"/>
           </a:p>
@@ -1074,7 +1070,7 @@
             <a:fld id="{44E5DA55-CAF6-45D5-9B9E-5BBAC000588C}" type="datetimeFigureOut">
               <a:rPr lang="en-US" smtClean="0"/>
               <a:pPr/>
-              <a:t>5/29/2018</a:t>
+              <a:t>8/19/2019</a:t>
             </a:fld>
             <a:endParaRPr lang="en-US"/>
           </a:p>
@@ -1361,7 +1357,7 @@
             <a:fld id="{44E5DA55-CAF6-45D5-9B9E-5BBAC000588C}" type="datetimeFigureOut">
               <a:rPr lang="en-US" smtClean="0"/>
               <a:pPr/>
-              <a:t>5/29/2018</a:t>
+              <a:t>8/19/2019</a:t>
             </a:fld>
             <a:endParaRPr lang="en-US"/>
           </a:p>
@@ -1782,7 +1778,7 @@
             <a:fld id="{44E5DA55-CAF6-45D5-9B9E-5BBAC000588C}" type="datetimeFigureOut">
               <a:rPr lang="en-US" smtClean="0"/>
               <a:pPr/>
-              <a:t>5/29/2018</a:t>
+              <a:t>8/19/2019</a:t>
             </a:fld>
             <a:endParaRPr lang="en-US"/>
           </a:p>
@@ -1901,7 +1897,7 @@
             <a:fld id="{44E5DA55-CAF6-45D5-9B9E-5BBAC000588C}" type="datetimeFigureOut">
               <a:rPr lang="en-US" smtClean="0"/>
               <a:pPr/>
-              <a:t>5/29/2018</a:t>
+              <a:t>8/19/2019</a:t>
             </a:fld>
             <a:endParaRPr lang="en-US"/>
           </a:p>
@@ -1998,7 +1994,7 @@
             <a:fld id="{44E5DA55-CAF6-45D5-9B9E-5BBAC000588C}" type="datetimeFigureOut">
               <a:rPr lang="en-US" smtClean="0"/>
               <a:pPr/>
-              <a:t>5/29/2018</a:t>
+              <a:t>8/19/2019</a:t>
             </a:fld>
             <a:endParaRPr lang="en-US"/>
           </a:p>
@@ -2275,7 +2271,7 @@
             <a:fld id="{44E5DA55-CAF6-45D5-9B9E-5BBAC000588C}" type="datetimeFigureOut">
               <a:rPr lang="en-US" smtClean="0"/>
               <a:pPr/>
-              <a:t>5/29/2018</a:t>
+              <a:t>8/19/2019</a:t>
             </a:fld>
             <a:endParaRPr lang="en-US"/>
           </a:p>
@@ -2529,7 +2525,7 @@
             <a:fld id="{44E5DA55-CAF6-45D5-9B9E-5BBAC000588C}" type="datetimeFigureOut">
               <a:rPr lang="en-US" smtClean="0"/>
               <a:pPr/>
-              <a:t>5/29/2018</a:t>
+              <a:t>8/19/2019</a:t>
             </a:fld>
             <a:endParaRPr lang="en-US"/>
           </a:p>
@@ -2742,7 +2738,7 @@
             <a:fld id="{44E5DA55-CAF6-45D5-9B9E-5BBAC000588C}" type="datetimeFigureOut">
               <a:rPr lang="en-US" smtClean="0"/>
               <a:pPr/>
-              <a:t>5/29/2018</a:t>
+              <a:t>8/19/2019</a:t>
             </a:fld>
             <a:endParaRPr lang="en-US"/>
           </a:p>
@@ -7841,7 +7837,7 @@
             </a:r>
             <a:r>
               <a:rPr lang="en-US" sz="1400"/>
-              <a:t>RNS 2.11.1 </a:t>
+              <a:t>RNS 2.12.0 </a:t>
             </a:r>
             <a:r>
               <a:rPr lang="en-US" sz="1400" dirty="0"/>

--- a/Documentation/ProfilesRNS_OntologyDiagram.pptx
+++ b/Documentation/ProfilesRNS_OntologyDiagram.pptx
@@ -303,7 +303,7 @@
             <a:fld id="{44E5DA55-CAF6-45D5-9B9E-5BBAC000588C}" type="datetimeFigureOut">
               <a:rPr lang="en-US" smtClean="0"/>
               <a:pPr/>
-              <a:t>8/19/2019</a:t>
+              <a:t>4/6/2020</a:t>
             </a:fld>
             <a:endParaRPr lang="en-US"/>
           </a:p>
@@ -473,7 +473,7 @@
             <a:fld id="{44E5DA55-CAF6-45D5-9B9E-5BBAC000588C}" type="datetimeFigureOut">
               <a:rPr lang="en-US" smtClean="0"/>
               <a:pPr/>
-              <a:t>8/19/2019</a:t>
+              <a:t>4/6/2020</a:t>
             </a:fld>
             <a:endParaRPr lang="en-US"/>
           </a:p>
@@ -653,7 +653,7 @@
             <a:fld id="{44E5DA55-CAF6-45D5-9B9E-5BBAC000588C}" type="datetimeFigureOut">
               <a:rPr lang="en-US" smtClean="0"/>
               <a:pPr/>
-              <a:t>8/19/2019</a:t>
+              <a:t>4/6/2020</a:t>
             </a:fld>
             <a:endParaRPr lang="en-US"/>
           </a:p>
@@ -823,7 +823,7 @@
             <a:fld id="{44E5DA55-CAF6-45D5-9B9E-5BBAC000588C}" type="datetimeFigureOut">
               <a:rPr lang="en-US" smtClean="0"/>
               <a:pPr/>
-              <a:t>8/19/2019</a:t>
+              <a:t>4/6/2020</a:t>
             </a:fld>
             <a:endParaRPr lang="en-US"/>
           </a:p>
@@ -1070,7 +1070,7 @@
             <a:fld id="{44E5DA55-CAF6-45D5-9B9E-5BBAC000588C}" type="datetimeFigureOut">
               <a:rPr lang="en-US" smtClean="0"/>
               <a:pPr/>
-              <a:t>8/19/2019</a:t>
+              <a:t>4/6/2020</a:t>
             </a:fld>
             <a:endParaRPr lang="en-US"/>
           </a:p>
@@ -1357,7 +1357,7 @@
             <a:fld id="{44E5DA55-CAF6-45D5-9B9E-5BBAC000588C}" type="datetimeFigureOut">
               <a:rPr lang="en-US" smtClean="0"/>
               <a:pPr/>
-              <a:t>8/19/2019</a:t>
+              <a:t>4/6/2020</a:t>
             </a:fld>
             <a:endParaRPr lang="en-US"/>
           </a:p>
@@ -1778,7 +1778,7 @@
             <a:fld id="{44E5DA55-CAF6-45D5-9B9E-5BBAC000588C}" type="datetimeFigureOut">
               <a:rPr lang="en-US" smtClean="0"/>
               <a:pPr/>
-              <a:t>8/19/2019</a:t>
+              <a:t>4/6/2020</a:t>
             </a:fld>
             <a:endParaRPr lang="en-US"/>
           </a:p>
@@ -1897,7 +1897,7 @@
             <a:fld id="{44E5DA55-CAF6-45D5-9B9E-5BBAC000588C}" type="datetimeFigureOut">
               <a:rPr lang="en-US" smtClean="0"/>
               <a:pPr/>
-              <a:t>8/19/2019</a:t>
+              <a:t>4/6/2020</a:t>
             </a:fld>
             <a:endParaRPr lang="en-US"/>
           </a:p>
@@ -1994,7 +1994,7 @@
             <a:fld id="{44E5DA55-CAF6-45D5-9B9E-5BBAC000588C}" type="datetimeFigureOut">
               <a:rPr lang="en-US" smtClean="0"/>
               <a:pPr/>
-              <a:t>8/19/2019</a:t>
+              <a:t>4/6/2020</a:t>
             </a:fld>
             <a:endParaRPr lang="en-US"/>
           </a:p>
@@ -2271,7 +2271,7 @@
             <a:fld id="{44E5DA55-CAF6-45D5-9B9E-5BBAC000588C}" type="datetimeFigureOut">
               <a:rPr lang="en-US" smtClean="0"/>
               <a:pPr/>
-              <a:t>8/19/2019</a:t>
+              <a:t>4/6/2020</a:t>
             </a:fld>
             <a:endParaRPr lang="en-US"/>
           </a:p>
@@ -2525,7 +2525,7 @@
             <a:fld id="{44E5DA55-CAF6-45D5-9B9E-5BBAC000588C}" type="datetimeFigureOut">
               <a:rPr lang="en-US" smtClean="0"/>
               <a:pPr/>
-              <a:t>8/19/2019</a:t>
+              <a:t>4/6/2020</a:t>
             </a:fld>
             <a:endParaRPr lang="en-US"/>
           </a:p>
@@ -2738,7 +2738,7 @@
             <a:fld id="{44E5DA55-CAF6-45D5-9B9E-5BBAC000588C}" type="datetimeFigureOut">
               <a:rPr lang="en-US" smtClean="0"/>
               <a:pPr/>
-              <a:t>8/19/2019</a:t>
+              <a:t>4/6/2020</a:t>
             </a:fld>
             <a:endParaRPr lang="en-US"/>
           </a:p>
@@ -7833,15 +7833,7 @@
             <a:pPr algn="ctr"/>
             <a:r>
               <a:rPr lang="en-US" sz="1400" dirty="0"/>
-              <a:t>Main classes used by Profiles </a:t>
-            </a:r>
-            <a:r>
-              <a:rPr lang="en-US" sz="1400"/>
-              <a:t>RNS 2.12.0 </a:t>
-            </a:r>
-            <a:r>
-              <a:rPr lang="en-US" sz="1400" dirty="0"/>
-              <a:t>are highlighted in bold.</a:t>
+              <a:t>Main classes used by Profiles RNS 3.0.0 are highlighted in bold.</a:t>
             </a:r>
             <a:endParaRPr lang="en-US" sz="2000" dirty="0"/>
           </a:p>

--- a/Documentation/ProfilesRNS_OntologyDiagram.pptx
+++ b/Documentation/ProfilesRNS_OntologyDiagram.pptx
@@ -303,7 +303,7 @@
             <a:fld id="{44E5DA55-CAF6-45D5-9B9E-5BBAC000588C}" type="datetimeFigureOut">
               <a:rPr lang="en-US" smtClean="0"/>
               <a:pPr/>
-              <a:t>4/6/2020</a:t>
+              <a:t>5/5/2021</a:t>
             </a:fld>
             <a:endParaRPr lang="en-US"/>
           </a:p>
@@ -473,7 +473,7 @@
             <a:fld id="{44E5DA55-CAF6-45D5-9B9E-5BBAC000588C}" type="datetimeFigureOut">
               <a:rPr lang="en-US" smtClean="0"/>
               <a:pPr/>
-              <a:t>4/6/2020</a:t>
+              <a:t>5/5/2021</a:t>
             </a:fld>
             <a:endParaRPr lang="en-US"/>
           </a:p>
@@ -653,7 +653,7 @@
             <a:fld id="{44E5DA55-CAF6-45D5-9B9E-5BBAC000588C}" type="datetimeFigureOut">
               <a:rPr lang="en-US" smtClean="0"/>
               <a:pPr/>
-              <a:t>4/6/2020</a:t>
+              <a:t>5/5/2021</a:t>
             </a:fld>
             <a:endParaRPr lang="en-US"/>
           </a:p>
@@ -823,7 +823,7 @@
             <a:fld id="{44E5DA55-CAF6-45D5-9B9E-5BBAC000588C}" type="datetimeFigureOut">
               <a:rPr lang="en-US" smtClean="0"/>
               <a:pPr/>
-              <a:t>4/6/2020</a:t>
+              <a:t>5/5/2021</a:t>
             </a:fld>
             <a:endParaRPr lang="en-US"/>
           </a:p>
@@ -1070,7 +1070,7 @@
             <a:fld id="{44E5DA55-CAF6-45D5-9B9E-5BBAC000588C}" type="datetimeFigureOut">
               <a:rPr lang="en-US" smtClean="0"/>
               <a:pPr/>
-              <a:t>4/6/2020</a:t>
+              <a:t>5/5/2021</a:t>
             </a:fld>
             <a:endParaRPr lang="en-US"/>
           </a:p>
@@ -1357,7 +1357,7 @@
             <a:fld id="{44E5DA55-CAF6-45D5-9B9E-5BBAC000588C}" type="datetimeFigureOut">
               <a:rPr lang="en-US" smtClean="0"/>
               <a:pPr/>
-              <a:t>4/6/2020</a:t>
+              <a:t>5/5/2021</a:t>
             </a:fld>
             <a:endParaRPr lang="en-US"/>
           </a:p>
@@ -1778,7 +1778,7 @@
             <a:fld id="{44E5DA55-CAF6-45D5-9B9E-5BBAC000588C}" type="datetimeFigureOut">
               <a:rPr lang="en-US" smtClean="0"/>
               <a:pPr/>
-              <a:t>4/6/2020</a:t>
+              <a:t>5/5/2021</a:t>
             </a:fld>
             <a:endParaRPr lang="en-US"/>
           </a:p>
@@ -1897,7 +1897,7 @@
             <a:fld id="{44E5DA55-CAF6-45D5-9B9E-5BBAC000588C}" type="datetimeFigureOut">
               <a:rPr lang="en-US" smtClean="0"/>
               <a:pPr/>
-              <a:t>4/6/2020</a:t>
+              <a:t>5/5/2021</a:t>
             </a:fld>
             <a:endParaRPr lang="en-US"/>
           </a:p>
@@ -1994,7 +1994,7 @@
             <a:fld id="{44E5DA55-CAF6-45D5-9B9E-5BBAC000588C}" type="datetimeFigureOut">
               <a:rPr lang="en-US" smtClean="0"/>
               <a:pPr/>
-              <a:t>4/6/2020</a:t>
+              <a:t>5/5/2021</a:t>
             </a:fld>
             <a:endParaRPr lang="en-US"/>
           </a:p>
@@ -2271,7 +2271,7 @@
             <a:fld id="{44E5DA55-CAF6-45D5-9B9E-5BBAC000588C}" type="datetimeFigureOut">
               <a:rPr lang="en-US" smtClean="0"/>
               <a:pPr/>
-              <a:t>4/6/2020</a:t>
+              <a:t>5/5/2021</a:t>
             </a:fld>
             <a:endParaRPr lang="en-US"/>
           </a:p>
@@ -2525,7 +2525,7 @@
             <a:fld id="{44E5DA55-CAF6-45D5-9B9E-5BBAC000588C}" type="datetimeFigureOut">
               <a:rPr lang="en-US" smtClean="0"/>
               <a:pPr/>
-              <a:t>4/6/2020</a:t>
+              <a:t>5/5/2021</a:t>
             </a:fld>
             <a:endParaRPr lang="en-US"/>
           </a:p>
@@ -2738,7 +2738,7 @@
             <a:fld id="{44E5DA55-CAF6-45D5-9B9E-5BBAC000588C}" type="datetimeFigureOut">
               <a:rPr lang="en-US" smtClean="0"/>
               <a:pPr/>
-              <a:t>4/6/2020</a:t>
+              <a:t>5/5/2021</a:t>
             </a:fld>
             <a:endParaRPr lang="en-US"/>
           </a:p>
@@ -7833,7 +7833,15 @@
             <a:pPr algn="ctr"/>
             <a:r>
               <a:rPr lang="en-US" sz="1400" dirty="0"/>
-              <a:t>Main classes used by Profiles RNS 3.0.0 are highlighted in bold.</a:t>
+              <a:t>Main classes used by Profiles </a:t>
+            </a:r>
+            <a:r>
+              <a:rPr lang="en-US" sz="1400"/>
+              <a:t>RNS 3.1.0 </a:t>
+            </a:r>
+            <a:r>
+              <a:rPr lang="en-US" sz="1400" dirty="0"/>
+              <a:t>are highlighted in bold.</a:t>
             </a:r>
             <a:endParaRPr lang="en-US" sz="2000" dirty="0"/>
           </a:p>
